--- a/Hands-on slides.pptx
+++ b/Hands-on slides.pptx
@@ -13,7 +13,15 @@
     <p:sldId id="261" r:id="rId7"/>
     <p:sldId id="264" r:id="rId8"/>
     <p:sldId id="262" r:id="rId9"/>
-    <p:sldId id="263" r:id="rId10"/>
+    <p:sldId id="271" r:id="rId10"/>
+    <p:sldId id="266" r:id="rId11"/>
+    <p:sldId id="263" r:id="rId12"/>
+    <p:sldId id="273" r:id="rId13"/>
+    <p:sldId id="265" r:id="rId14"/>
+    <p:sldId id="267" r:id="rId15"/>
+    <p:sldId id="268" r:id="rId16"/>
+    <p:sldId id="269" r:id="rId17"/>
+    <p:sldId id="270" r:id="rId18"/>
   </p:sldIdLst>
   <p:sldSz cx="12192000" cy="6858000"/>
   <p:notesSz cx="6858000" cy="9144000"/>
@@ -346,7 +354,7 @@
           <a:p>
             <a:fld id="{CA79C2A5-9A78-482B-8287-E9F899BA3661}" type="datetimeFigureOut">
               <a:rPr lang="en-US" smtClean="0"/>
-              <a:t>5/21/2018</a:t>
+              <a:t>5/23/2018</a:t>
             </a:fld>
             <a:endParaRPr lang="en-US"/>
           </a:p>
@@ -554,7 +562,7 @@
           <a:p>
             <a:fld id="{CA79C2A5-9A78-482B-8287-E9F899BA3661}" type="datetimeFigureOut">
               <a:rPr lang="en-US" smtClean="0"/>
-              <a:t>5/21/2018</a:t>
+              <a:t>5/23/2018</a:t>
             </a:fld>
             <a:endParaRPr lang="en-US"/>
           </a:p>
@@ -810,7 +818,7 @@
           <a:p>
             <a:fld id="{CA79C2A5-9A78-482B-8287-E9F899BA3661}" type="datetimeFigureOut">
               <a:rPr lang="en-US" smtClean="0"/>
-              <a:t>5/21/2018</a:t>
+              <a:t>5/23/2018</a:t>
             </a:fld>
             <a:endParaRPr lang="en-US"/>
           </a:p>
@@ -984,7 +992,7 @@
           <a:p>
             <a:fld id="{CA79C2A5-9A78-482B-8287-E9F899BA3661}" type="datetimeFigureOut">
               <a:rPr lang="en-US" smtClean="0"/>
-              <a:t>5/21/2018</a:t>
+              <a:t>5/23/2018</a:t>
             </a:fld>
             <a:endParaRPr lang="en-US"/>
           </a:p>
@@ -1327,7 +1335,7 @@
           <a:p>
             <a:fld id="{CA79C2A5-9A78-482B-8287-E9F899BA3661}" type="datetimeFigureOut">
               <a:rPr lang="en-US" smtClean="0"/>
-              <a:t>5/21/2018</a:t>
+              <a:t>5/23/2018</a:t>
             </a:fld>
             <a:endParaRPr lang="en-US"/>
           </a:p>
@@ -1602,7 +1610,7 @@
           <a:p>
             <a:fld id="{CA79C2A5-9A78-482B-8287-E9F899BA3661}" type="datetimeFigureOut">
               <a:rPr lang="en-US" smtClean="0"/>
-              <a:t>5/21/2018</a:t>
+              <a:t>5/23/2018</a:t>
             </a:fld>
             <a:endParaRPr lang="en-US"/>
           </a:p>
@@ -1981,7 +1989,7 @@
           <a:p>
             <a:fld id="{CA79C2A5-9A78-482B-8287-E9F899BA3661}" type="datetimeFigureOut">
               <a:rPr lang="en-US" smtClean="0"/>
-              <a:t>5/21/2018</a:t>
+              <a:t>5/23/2018</a:t>
             </a:fld>
             <a:endParaRPr lang="en-US"/>
           </a:p>
@@ -2099,7 +2107,7 @@
           <a:p>
             <a:fld id="{CA79C2A5-9A78-482B-8287-E9F899BA3661}" type="datetimeFigureOut">
               <a:rPr lang="en-US" smtClean="0"/>
-              <a:t>5/21/2018</a:t>
+              <a:t>5/23/2018</a:t>
             </a:fld>
             <a:endParaRPr lang="en-US"/>
           </a:p>
@@ -2270,7 +2278,7 @@
           <a:p>
             <a:fld id="{CA79C2A5-9A78-482B-8287-E9F899BA3661}" type="datetimeFigureOut">
               <a:rPr lang="en-US" smtClean="0"/>
-              <a:t>5/21/2018</a:t>
+              <a:t>5/23/2018</a:t>
             </a:fld>
             <a:endParaRPr lang="en-US"/>
           </a:p>
@@ -2624,7 +2632,7 @@
           <a:p>
             <a:fld id="{CA79C2A5-9A78-482B-8287-E9F899BA3661}" type="datetimeFigureOut">
               <a:rPr lang="en-US" smtClean="0"/>
-              <a:t>5/21/2018</a:t>
+              <a:t>5/23/2018</a:t>
             </a:fld>
             <a:endParaRPr lang="en-US"/>
           </a:p>
@@ -3006,7 +3014,7 @@
           <a:p>
             <a:fld id="{CA79C2A5-9A78-482B-8287-E9F899BA3661}" type="datetimeFigureOut">
               <a:rPr lang="en-US" smtClean="0"/>
-              <a:t>5/21/2018</a:t>
+              <a:t>5/23/2018</a:t>
             </a:fld>
             <a:endParaRPr lang="en-US"/>
           </a:p>
@@ -3293,7 +3301,7 @@
           <a:p>
             <a:fld id="{CA79C2A5-9A78-482B-8287-E9F899BA3661}" type="datetimeFigureOut">
               <a:rPr lang="en-US" smtClean="0"/>
-              <a:t>5/21/2018</a:t>
+              <a:t>5/23/2018</a:t>
             </a:fld>
             <a:endParaRPr lang="en-US"/>
           </a:p>
@@ -3891,6 +3899,944 @@
 </p:sld>
 </file>
 
+<file path=ppt/slides/slide10.xml><?xml version="1.0" encoding="utf-8"?>
+<p:sld xmlns:a="http://schemas.openxmlformats.org/drawingml/2006/main" xmlns:r="http://schemas.openxmlformats.org/officeDocument/2006/relationships" xmlns:p="http://schemas.openxmlformats.org/presentationml/2006/main">
+  <p:cSld>
+    <p:spTree>
+      <p:nvGrpSpPr>
+        <p:cNvPr id="1" name=""/>
+        <p:cNvGrpSpPr/>
+        <p:nvPr/>
+      </p:nvGrpSpPr>
+      <p:grpSpPr>
+        <a:xfrm>
+          <a:off x="0" y="0"/>
+          <a:ext cx="0" cy="0"/>
+          <a:chOff x="0" y="0"/>
+          <a:chExt cx="0" cy="0"/>
+        </a:xfrm>
+      </p:grpSpPr>
+      <p:sp>
+        <p:nvSpPr>
+          <p:cNvPr id="2" name="Title 1"/>
+          <p:cNvSpPr>
+            <a:spLocks noGrp="1"/>
+          </p:cNvSpPr>
+          <p:nvPr>
+            <p:ph type="title"/>
+          </p:nvPr>
+        </p:nvSpPr>
+        <p:spPr>
+          <a:xfrm>
+            <a:off x="1097280" y="286603"/>
+            <a:ext cx="3550920" cy="1450757"/>
+          </a:xfrm>
+        </p:spPr>
+        <p:txBody>
+          <a:bodyPr/>
+          <a:lstStyle/>
+          <a:p>
+            <a:r>
+              <a:rPr lang="en-US" dirty="0" smtClean="0"/>
+              <a:t>Functional API</a:t>
+            </a:r>
+            <a:endParaRPr lang="en-US" dirty="0"/>
+          </a:p>
+        </p:txBody>
+      </p:sp>
+      <p:sp>
+        <p:nvSpPr>
+          <p:cNvPr id="3" name="Content Placeholder 2"/>
+          <p:cNvSpPr>
+            <a:spLocks noGrp="1"/>
+          </p:cNvSpPr>
+          <p:nvPr>
+            <p:ph idx="1"/>
+          </p:nvPr>
+        </p:nvSpPr>
+        <p:spPr/>
+        <p:txBody>
+          <a:bodyPr/>
+          <a:lstStyle/>
+          <a:p>
+            <a:endParaRPr lang="en-US" dirty="0"/>
+          </a:p>
+        </p:txBody>
+      </p:sp>
+      <p:pic>
+        <p:nvPicPr>
+          <p:cNvPr id="4" name="Picture 3"/>
+          <p:cNvPicPr>
+            <a:picLocks noChangeAspect="1"/>
+          </p:cNvPicPr>
+          <p:nvPr/>
+        </p:nvPicPr>
+        <p:blipFill>
+          <a:blip r:embed="rId2"/>
+          <a:stretch>
+            <a:fillRect/>
+          </a:stretch>
+        </p:blipFill>
+        <p:spPr>
+          <a:xfrm>
+            <a:off x="4376304" y="1011981"/>
+            <a:ext cx="7815696" cy="4856897"/>
+          </a:xfrm>
+          <a:prstGeom prst="rect">
+            <a:avLst/>
+          </a:prstGeom>
+        </p:spPr>
+      </p:pic>
+    </p:spTree>
+    <p:extLst>
+      <p:ext uri="{BB962C8B-B14F-4D97-AF65-F5344CB8AC3E}">
+        <p14:creationId xmlns:p14="http://schemas.microsoft.com/office/powerpoint/2010/main" val="3321968974"/>
+      </p:ext>
+    </p:extLst>
+  </p:cSld>
+  <p:clrMapOvr>
+    <a:masterClrMapping/>
+  </p:clrMapOvr>
+</p:sld>
+</file>
+
+<file path=ppt/slides/slide11.xml><?xml version="1.0" encoding="utf-8"?>
+<p:sld xmlns:a="http://schemas.openxmlformats.org/drawingml/2006/main" xmlns:r="http://schemas.openxmlformats.org/officeDocument/2006/relationships" xmlns:p="http://schemas.openxmlformats.org/presentationml/2006/main">
+  <p:cSld>
+    <p:spTree>
+      <p:nvGrpSpPr>
+        <p:cNvPr id="1" name=""/>
+        <p:cNvGrpSpPr/>
+        <p:nvPr/>
+      </p:nvGrpSpPr>
+      <p:grpSpPr>
+        <a:xfrm>
+          <a:off x="0" y="0"/>
+          <a:ext cx="0" cy="0"/>
+          <a:chOff x="0" y="0"/>
+          <a:chExt cx="0" cy="0"/>
+        </a:xfrm>
+      </p:grpSpPr>
+      <p:sp>
+        <p:nvSpPr>
+          <p:cNvPr id="2" name="Title 1"/>
+          <p:cNvSpPr>
+            <a:spLocks noGrp="1"/>
+          </p:cNvSpPr>
+          <p:nvPr>
+            <p:ph type="title"/>
+          </p:nvPr>
+        </p:nvSpPr>
+        <p:spPr/>
+        <p:txBody>
+          <a:bodyPr/>
+          <a:lstStyle/>
+          <a:p>
+            <a:r>
+              <a:rPr lang="en-US" dirty="0" smtClean="0"/>
+              <a:t>Hands on time</a:t>
+            </a:r>
+            <a:endParaRPr lang="en-US" dirty="0"/>
+          </a:p>
+        </p:txBody>
+      </p:sp>
+      <p:sp>
+        <p:nvSpPr>
+          <p:cNvPr id="3" name="Content Placeholder 2"/>
+          <p:cNvSpPr>
+            <a:spLocks noGrp="1"/>
+          </p:cNvSpPr>
+          <p:nvPr>
+            <p:ph idx="1"/>
+          </p:nvPr>
+        </p:nvSpPr>
+        <p:spPr/>
+        <p:txBody>
+          <a:bodyPr/>
+          <a:lstStyle/>
+          <a:p>
+            <a:endParaRPr lang="en-US"/>
+          </a:p>
+        </p:txBody>
+      </p:sp>
+      <p:pic>
+        <p:nvPicPr>
+          <p:cNvPr id="1026" name="Picture 2" descr="JAZZ HANDS Cat cat small to medium sized cats cat like mammal whiskers"/>
+          <p:cNvPicPr>
+            <a:picLocks noChangeAspect="1" noChangeArrowheads="1"/>
+          </p:cNvPicPr>
+          <p:nvPr/>
+        </p:nvPicPr>
+        <p:blipFill>
+          <a:blip r:embed="rId2">
+            <a:extLst>
+              <a:ext uri="{28A0092B-C50C-407E-A947-70E740481C1C}">
+                <a14:useLocalDpi xmlns:a14="http://schemas.microsoft.com/office/drawing/2010/main" val="0"/>
+              </a:ext>
+            </a:extLst>
+          </a:blip>
+          <a:srcRect/>
+          <a:stretch>
+            <a:fillRect/>
+          </a:stretch>
+        </p:blipFill>
+        <p:spPr bwMode="auto">
+          <a:xfrm>
+            <a:off x="4643717" y="1737360"/>
+            <a:ext cx="3409763" cy="4439796"/>
+          </a:xfrm>
+          <a:prstGeom prst="rect">
+            <a:avLst/>
+          </a:prstGeom>
+          <a:noFill/>
+          <a:extLst>
+            <a:ext uri="{909E8E84-426E-40DD-AFC4-6F175D3DCCD1}">
+              <a14:hiddenFill xmlns:a14="http://schemas.microsoft.com/office/drawing/2010/main">
+                <a:solidFill>
+                  <a:srgbClr val="FFFFFF"/>
+                </a:solidFill>
+              </a14:hiddenFill>
+            </a:ext>
+          </a:extLst>
+        </p:spPr>
+      </p:pic>
+    </p:spTree>
+    <p:extLst>
+      <p:ext uri="{BB962C8B-B14F-4D97-AF65-F5344CB8AC3E}">
+        <p14:creationId xmlns:p14="http://schemas.microsoft.com/office/powerpoint/2010/main" val="2642274662"/>
+      </p:ext>
+    </p:extLst>
+  </p:cSld>
+  <p:clrMapOvr>
+    <a:masterClrMapping/>
+  </p:clrMapOvr>
+</p:sld>
+</file>
+
+<file path=ppt/slides/slide12.xml><?xml version="1.0" encoding="utf-8"?>
+<p:sld xmlns:a="http://schemas.openxmlformats.org/drawingml/2006/main" xmlns:r="http://schemas.openxmlformats.org/officeDocument/2006/relationships" xmlns:p="http://schemas.openxmlformats.org/presentationml/2006/main">
+  <p:cSld>
+    <p:spTree>
+      <p:nvGrpSpPr>
+        <p:cNvPr id="1" name=""/>
+        <p:cNvGrpSpPr/>
+        <p:nvPr/>
+      </p:nvGrpSpPr>
+      <p:grpSpPr>
+        <a:xfrm>
+          <a:off x="0" y="0"/>
+          <a:ext cx="0" cy="0"/>
+          <a:chOff x="0" y="0"/>
+          <a:chExt cx="0" cy="0"/>
+        </a:xfrm>
+      </p:grpSpPr>
+      <p:sp>
+        <p:nvSpPr>
+          <p:cNvPr id="2" name="Title 1"/>
+          <p:cNvSpPr>
+            <a:spLocks noGrp="1"/>
+          </p:cNvSpPr>
+          <p:nvPr>
+            <p:ph type="title"/>
+          </p:nvPr>
+        </p:nvSpPr>
+        <p:spPr/>
+        <p:txBody>
+          <a:bodyPr/>
+          <a:lstStyle/>
+          <a:p>
+            <a:r>
+              <a:rPr lang="en-US" dirty="0" smtClean="0"/>
+              <a:t>Loss</a:t>
+            </a:r>
+            <a:endParaRPr lang="en-US" dirty="0"/>
+          </a:p>
+        </p:txBody>
+      </p:sp>
+      <p:sp>
+        <p:nvSpPr>
+          <p:cNvPr id="3" name="Content Placeholder 2"/>
+          <p:cNvSpPr>
+            <a:spLocks noGrp="1"/>
+          </p:cNvSpPr>
+          <p:nvPr>
+            <p:ph idx="1"/>
+          </p:nvPr>
+        </p:nvSpPr>
+        <p:spPr>
+          <a:xfrm>
+            <a:off x="1097280" y="1845734"/>
+            <a:ext cx="4865370" cy="4023360"/>
+          </a:xfrm>
+        </p:spPr>
+        <p:txBody>
+          <a:bodyPr>
+            <a:normAutofit/>
+          </a:bodyPr>
+          <a:lstStyle/>
+          <a:p>
+            <a:r>
+              <a:rPr lang="en-US" sz="4000" dirty="0" smtClean="0"/>
+              <a:t>The paper </a:t>
+            </a:r>
+            <a:r>
+              <a:rPr lang="en-US" sz="4000" dirty="0"/>
+              <a:t>uses </a:t>
+            </a:r>
+            <a:r>
+              <a:rPr lang="en-US" sz="4000" dirty="0" err="1"/>
+              <a:t>binary_crossentropy</a:t>
+            </a:r>
+            <a:endParaRPr lang="en-US" sz="4000" dirty="0"/>
+          </a:p>
+        </p:txBody>
+      </p:sp>
+      <p:pic>
+        <p:nvPicPr>
+          <p:cNvPr id="5" name="Picture 4"/>
+          <p:cNvPicPr>
+            <a:picLocks noChangeAspect="1"/>
+          </p:cNvPicPr>
+          <p:nvPr/>
+        </p:nvPicPr>
+        <p:blipFill>
+          <a:blip r:embed="rId2"/>
+          <a:stretch>
+            <a:fillRect/>
+          </a:stretch>
+        </p:blipFill>
+        <p:spPr>
+          <a:xfrm>
+            <a:off x="5516880" y="1509501"/>
+            <a:ext cx="6381750" cy="4695825"/>
+          </a:xfrm>
+          <a:prstGeom prst="rect">
+            <a:avLst/>
+          </a:prstGeom>
+        </p:spPr>
+      </p:pic>
+    </p:spTree>
+    <p:extLst>
+      <p:ext uri="{BB962C8B-B14F-4D97-AF65-F5344CB8AC3E}">
+        <p14:creationId xmlns:p14="http://schemas.microsoft.com/office/powerpoint/2010/main" val="1264499104"/>
+      </p:ext>
+    </p:extLst>
+  </p:cSld>
+  <p:clrMapOvr>
+    <a:masterClrMapping/>
+  </p:clrMapOvr>
+</p:sld>
+</file>
+
+<file path=ppt/slides/slide13.xml><?xml version="1.0" encoding="utf-8"?>
+<p:sld xmlns:a="http://schemas.openxmlformats.org/drawingml/2006/main" xmlns:r="http://schemas.openxmlformats.org/officeDocument/2006/relationships" xmlns:p="http://schemas.openxmlformats.org/presentationml/2006/main">
+  <p:cSld>
+    <p:spTree>
+      <p:nvGrpSpPr>
+        <p:cNvPr id="1" name=""/>
+        <p:cNvGrpSpPr/>
+        <p:nvPr/>
+      </p:nvGrpSpPr>
+      <p:grpSpPr>
+        <a:xfrm>
+          <a:off x="0" y="0"/>
+          <a:ext cx="0" cy="0"/>
+          <a:chOff x="0" y="0"/>
+          <a:chExt cx="0" cy="0"/>
+        </a:xfrm>
+      </p:grpSpPr>
+      <p:sp>
+        <p:nvSpPr>
+          <p:cNvPr id="2" name="Title 1"/>
+          <p:cNvSpPr>
+            <a:spLocks noGrp="1"/>
+          </p:cNvSpPr>
+          <p:nvPr>
+            <p:ph type="title"/>
+          </p:nvPr>
+        </p:nvSpPr>
+        <p:spPr/>
+        <p:txBody>
+          <a:bodyPr/>
+          <a:lstStyle/>
+          <a:p>
+            <a:r>
+              <a:rPr lang="en-US" dirty="0" smtClean="0"/>
+              <a:t>Embedding layers</a:t>
+            </a:r>
+            <a:endParaRPr lang="en-US" dirty="0"/>
+          </a:p>
+        </p:txBody>
+      </p:sp>
+      <p:sp>
+        <p:nvSpPr>
+          <p:cNvPr id="3" name="Content Placeholder 2"/>
+          <p:cNvSpPr>
+            <a:spLocks noGrp="1"/>
+          </p:cNvSpPr>
+          <p:nvPr>
+            <p:ph idx="1"/>
+          </p:nvPr>
+        </p:nvSpPr>
+        <p:spPr/>
+        <p:txBody>
+          <a:bodyPr>
+            <a:normAutofit/>
+          </a:bodyPr>
+          <a:lstStyle/>
+          <a:p>
+            <a:r>
+              <a:rPr lang="en-US" sz="2800" b="1" dirty="0" err="1" smtClean="0"/>
+              <a:t>keras.layers.Embedding</a:t>
+            </a:r>
+            <a:endParaRPr lang="en-US" sz="2800" b="1" dirty="0" smtClean="0"/>
+          </a:p>
+          <a:p>
+            <a:pPr lvl="1"/>
+            <a:r>
+              <a:rPr lang="en-US" sz="2600" dirty="0" err="1" smtClean="0"/>
+              <a:t>input_dim</a:t>
+            </a:r>
+            <a:r>
+              <a:rPr lang="en-US" sz="2600" dirty="0" smtClean="0"/>
+              <a:t>: number of object @ input</a:t>
+            </a:r>
+          </a:p>
+          <a:p>
+            <a:pPr lvl="1"/>
+            <a:r>
+              <a:rPr lang="en-US" sz="2600" dirty="0" err="1" smtClean="0"/>
+              <a:t>output_dim</a:t>
+            </a:r>
+            <a:r>
+              <a:rPr lang="en-US" sz="2600" dirty="0" smtClean="0"/>
+              <a:t>: size of embedding (size of new feature space)</a:t>
+            </a:r>
+            <a:endParaRPr lang="en-US" sz="2800" dirty="0"/>
+          </a:p>
+        </p:txBody>
+      </p:sp>
+      <p:pic>
+        <p:nvPicPr>
+          <p:cNvPr id="2051" name="Picture 3" descr="Image result for embedding layer"/>
+          <p:cNvPicPr>
+            <a:picLocks noChangeAspect="1" noChangeArrowheads="1"/>
+          </p:cNvPicPr>
+          <p:nvPr/>
+        </p:nvPicPr>
+        <p:blipFill rotWithShape="1">
+          <a:blip r:embed="rId2">
+            <a:extLst>
+              <a:ext uri="{28A0092B-C50C-407E-A947-70E740481C1C}">
+                <a14:useLocalDpi xmlns:a14="http://schemas.microsoft.com/office/drawing/2010/main" val="0"/>
+              </a:ext>
+            </a:extLst>
+          </a:blip>
+          <a:srcRect t="18171"/>
+          <a:stretch/>
+        </p:blipFill>
+        <p:spPr bwMode="auto">
+          <a:xfrm>
+            <a:off x="2765426" y="4019550"/>
+            <a:ext cx="5418676" cy="2230545"/>
+          </a:xfrm>
+          <a:prstGeom prst="rect">
+            <a:avLst/>
+          </a:prstGeom>
+          <a:noFill/>
+          <a:extLst>
+            <a:ext uri="{909E8E84-426E-40DD-AFC4-6F175D3DCCD1}">
+              <a14:hiddenFill xmlns:a14="http://schemas.microsoft.com/office/drawing/2010/main">
+                <a:solidFill>
+                  <a:srgbClr val="FFFFFF"/>
+                </a:solidFill>
+              </a14:hiddenFill>
+            </a:ext>
+          </a:extLst>
+        </p:spPr>
+      </p:pic>
+      <p:sp>
+        <p:nvSpPr>
+          <p:cNvPr id="5" name="TextBox 4"/>
+          <p:cNvSpPr txBox="1"/>
+          <p:nvPr/>
+        </p:nvSpPr>
+        <p:spPr>
+          <a:xfrm>
+            <a:off x="3352800" y="3672748"/>
+            <a:ext cx="616579" cy="369332"/>
+          </a:xfrm>
+          <a:prstGeom prst="rect">
+            <a:avLst/>
+          </a:prstGeom>
+          <a:noFill/>
+        </p:spPr>
+        <p:txBody>
+          <a:bodyPr wrap="none" rtlCol="0">
+            <a:spAutoFit/>
+          </a:bodyPr>
+          <a:lstStyle/>
+          <a:p>
+            <a:r>
+              <a:rPr lang="en-US" dirty="0" smtClean="0"/>
+              <a:t>Item</a:t>
+            </a:r>
+            <a:endParaRPr lang="en-US" dirty="0"/>
+          </a:p>
+        </p:txBody>
+      </p:sp>
+    </p:spTree>
+    <p:extLst>
+      <p:ext uri="{BB962C8B-B14F-4D97-AF65-F5344CB8AC3E}">
+        <p14:creationId xmlns:p14="http://schemas.microsoft.com/office/powerpoint/2010/main" val="2715554688"/>
+      </p:ext>
+    </p:extLst>
+  </p:cSld>
+  <p:clrMapOvr>
+    <a:masterClrMapping/>
+  </p:clrMapOvr>
+</p:sld>
+</file>
+
+<file path=ppt/slides/slide14.xml><?xml version="1.0" encoding="utf-8"?>
+<p:sld xmlns:a="http://schemas.openxmlformats.org/drawingml/2006/main" xmlns:r="http://schemas.openxmlformats.org/officeDocument/2006/relationships" xmlns:p="http://schemas.openxmlformats.org/presentationml/2006/main">
+  <p:cSld>
+    <p:spTree>
+      <p:nvGrpSpPr>
+        <p:cNvPr id="1" name=""/>
+        <p:cNvGrpSpPr/>
+        <p:nvPr/>
+      </p:nvGrpSpPr>
+      <p:grpSpPr>
+        <a:xfrm>
+          <a:off x="0" y="0"/>
+          <a:ext cx="0" cy="0"/>
+          <a:chOff x="0" y="0"/>
+          <a:chExt cx="0" cy="0"/>
+        </a:xfrm>
+      </p:grpSpPr>
+      <p:sp>
+        <p:nvSpPr>
+          <p:cNvPr id="2" name="Title 1"/>
+          <p:cNvSpPr>
+            <a:spLocks noGrp="1"/>
+          </p:cNvSpPr>
+          <p:nvPr>
+            <p:ph type="title"/>
+          </p:nvPr>
+        </p:nvSpPr>
+        <p:spPr/>
+        <p:txBody>
+          <a:bodyPr/>
+          <a:lstStyle/>
+          <a:p>
+            <a:r>
+              <a:rPr lang="en-US" dirty="0" smtClean="0"/>
+              <a:t>Multiply</a:t>
+            </a:r>
+            <a:endParaRPr lang="en-US" dirty="0"/>
+          </a:p>
+        </p:txBody>
+      </p:sp>
+      <p:sp>
+        <p:nvSpPr>
+          <p:cNvPr id="3" name="Content Placeholder 2"/>
+          <p:cNvSpPr>
+            <a:spLocks noGrp="1"/>
+          </p:cNvSpPr>
+          <p:nvPr>
+            <p:ph idx="1"/>
+          </p:nvPr>
+        </p:nvSpPr>
+        <p:spPr/>
+        <p:txBody>
+          <a:bodyPr>
+            <a:normAutofit/>
+          </a:bodyPr>
+          <a:lstStyle/>
+          <a:p>
+            <a:r>
+              <a:rPr lang="en-US" sz="4000" dirty="0" err="1"/>
+              <a:t>keras.layers.Multiply</a:t>
+            </a:r>
+            <a:r>
+              <a:rPr lang="en-US" sz="4000" dirty="0"/>
+              <a:t>()</a:t>
+            </a:r>
+          </a:p>
+          <a:p>
+            <a:endParaRPr lang="en-US" sz="4000" dirty="0"/>
+          </a:p>
+        </p:txBody>
+      </p:sp>
+      <p:pic>
+        <p:nvPicPr>
+          <p:cNvPr id="5" name="Picture 4"/>
+          <p:cNvPicPr>
+            <a:picLocks noChangeAspect="1"/>
+          </p:cNvPicPr>
+          <p:nvPr/>
+        </p:nvPicPr>
+        <p:blipFill>
+          <a:blip r:embed="rId2"/>
+          <a:stretch>
+            <a:fillRect/>
+          </a:stretch>
+        </p:blipFill>
+        <p:spPr>
+          <a:xfrm>
+            <a:off x="2596318" y="3420979"/>
+            <a:ext cx="8101011" cy="2273968"/>
+          </a:xfrm>
+          <a:prstGeom prst="rect">
+            <a:avLst/>
+          </a:prstGeom>
+        </p:spPr>
+      </p:pic>
+    </p:spTree>
+    <p:extLst>
+      <p:ext uri="{BB962C8B-B14F-4D97-AF65-F5344CB8AC3E}">
+        <p14:creationId xmlns:p14="http://schemas.microsoft.com/office/powerpoint/2010/main" val="2801365517"/>
+      </p:ext>
+    </p:extLst>
+  </p:cSld>
+  <p:clrMapOvr>
+    <a:masterClrMapping/>
+  </p:clrMapOvr>
+</p:sld>
+</file>
+
+<file path=ppt/slides/slide15.xml><?xml version="1.0" encoding="utf-8"?>
+<p:sld xmlns:a="http://schemas.openxmlformats.org/drawingml/2006/main" xmlns:r="http://schemas.openxmlformats.org/officeDocument/2006/relationships" xmlns:p="http://schemas.openxmlformats.org/presentationml/2006/main">
+  <p:cSld>
+    <p:spTree>
+      <p:nvGrpSpPr>
+        <p:cNvPr id="1" name=""/>
+        <p:cNvGrpSpPr/>
+        <p:nvPr/>
+      </p:nvGrpSpPr>
+      <p:grpSpPr>
+        <a:xfrm>
+          <a:off x="0" y="0"/>
+          <a:ext cx="0" cy="0"/>
+          <a:chOff x="0" y="0"/>
+          <a:chExt cx="0" cy="0"/>
+        </a:xfrm>
+      </p:grpSpPr>
+      <p:sp>
+        <p:nvSpPr>
+          <p:cNvPr id="2" name="Title 1"/>
+          <p:cNvSpPr>
+            <a:spLocks noGrp="1"/>
+          </p:cNvSpPr>
+          <p:nvPr>
+            <p:ph type="title"/>
+          </p:nvPr>
+        </p:nvSpPr>
+        <p:spPr/>
+        <p:txBody>
+          <a:bodyPr/>
+          <a:lstStyle/>
+          <a:p>
+            <a:r>
+              <a:rPr lang="en-US" dirty="0" smtClean="0"/>
+              <a:t>Dense</a:t>
+            </a:r>
+            <a:endParaRPr lang="en-US" dirty="0"/>
+          </a:p>
+        </p:txBody>
+      </p:sp>
+      <p:sp>
+        <p:nvSpPr>
+          <p:cNvPr id="3" name="Content Placeholder 2"/>
+          <p:cNvSpPr>
+            <a:spLocks noGrp="1"/>
+          </p:cNvSpPr>
+          <p:nvPr>
+            <p:ph idx="1"/>
+          </p:nvPr>
+        </p:nvSpPr>
+        <p:spPr/>
+        <p:txBody>
+          <a:bodyPr>
+            <a:normAutofit/>
+          </a:bodyPr>
+          <a:lstStyle/>
+          <a:p>
+            <a:r>
+              <a:rPr lang="en-US" sz="3600" dirty="0" err="1"/>
+              <a:t>keras.layers.Dense</a:t>
+            </a:r>
+            <a:endParaRPr lang="en-US" sz="3600" dirty="0" smtClean="0"/>
+          </a:p>
+          <a:p>
+            <a:r>
+              <a:rPr lang="en-US" sz="3600" dirty="0" smtClean="0"/>
+              <a:t>Units: size of output space</a:t>
+            </a:r>
+          </a:p>
+          <a:p>
+            <a:r>
+              <a:rPr lang="en-US" sz="3600" dirty="0" smtClean="0"/>
+              <a:t>Activation: activation function (</a:t>
+            </a:r>
+            <a:r>
+              <a:rPr lang="en-US" sz="3600" dirty="0" err="1" smtClean="0"/>
+              <a:t>tanh</a:t>
+            </a:r>
+            <a:r>
+              <a:rPr lang="en-US" sz="3600" dirty="0" smtClean="0"/>
+              <a:t>, </a:t>
+            </a:r>
+            <a:r>
+              <a:rPr lang="en-US" sz="3600" dirty="0" err="1" smtClean="0"/>
+              <a:t>relu</a:t>
+            </a:r>
+            <a:r>
+              <a:rPr lang="en-US" sz="3600" dirty="0" smtClean="0"/>
+              <a:t>, activation, linear etc.)</a:t>
+            </a:r>
+            <a:endParaRPr lang="en-US" sz="3600" dirty="0"/>
+          </a:p>
+        </p:txBody>
+      </p:sp>
+    </p:spTree>
+    <p:extLst>
+      <p:ext uri="{BB962C8B-B14F-4D97-AF65-F5344CB8AC3E}">
+        <p14:creationId xmlns:p14="http://schemas.microsoft.com/office/powerpoint/2010/main" val="243913501"/>
+      </p:ext>
+    </p:extLst>
+  </p:cSld>
+  <p:clrMapOvr>
+    <a:masterClrMapping/>
+  </p:clrMapOvr>
+</p:sld>
+</file>
+
+<file path=ppt/slides/slide16.xml><?xml version="1.0" encoding="utf-8"?>
+<p:sld xmlns:a="http://schemas.openxmlformats.org/drawingml/2006/main" xmlns:r="http://schemas.openxmlformats.org/officeDocument/2006/relationships" xmlns:p="http://schemas.openxmlformats.org/presentationml/2006/main">
+  <p:cSld>
+    <p:spTree>
+      <p:nvGrpSpPr>
+        <p:cNvPr id="1" name=""/>
+        <p:cNvGrpSpPr/>
+        <p:nvPr/>
+      </p:nvGrpSpPr>
+      <p:grpSpPr>
+        <a:xfrm>
+          <a:off x="0" y="0"/>
+          <a:ext cx="0" cy="0"/>
+          <a:chOff x="0" y="0"/>
+          <a:chExt cx="0" cy="0"/>
+        </a:xfrm>
+      </p:grpSpPr>
+      <p:sp>
+        <p:nvSpPr>
+          <p:cNvPr id="2" name="Title 1"/>
+          <p:cNvSpPr>
+            <a:spLocks noGrp="1"/>
+          </p:cNvSpPr>
+          <p:nvPr>
+            <p:ph type="title"/>
+          </p:nvPr>
+        </p:nvSpPr>
+        <p:spPr/>
+        <p:txBody>
+          <a:bodyPr/>
+          <a:lstStyle/>
+          <a:p>
+            <a:r>
+              <a:rPr lang="en-US" dirty="0" smtClean="0"/>
+              <a:t>Input and outputs</a:t>
+            </a:r>
+            <a:endParaRPr lang="en-US" dirty="0"/>
+          </a:p>
+        </p:txBody>
+      </p:sp>
+      <p:sp>
+        <p:nvSpPr>
+          <p:cNvPr id="3" name="Content Placeholder 2"/>
+          <p:cNvSpPr>
+            <a:spLocks noGrp="1"/>
+          </p:cNvSpPr>
+          <p:nvPr>
+            <p:ph idx="1"/>
+          </p:nvPr>
+        </p:nvSpPr>
+        <p:spPr/>
+        <p:txBody>
+          <a:bodyPr>
+            <a:normAutofit/>
+          </a:bodyPr>
+          <a:lstStyle/>
+          <a:p>
+            <a:r>
+              <a:rPr lang="en-US" sz="4000" dirty="0" smtClean="0"/>
+              <a:t>model </a:t>
+            </a:r>
+            <a:r>
+              <a:rPr lang="en-US" sz="4000" dirty="0"/>
+              <a:t>= Model(inputs</a:t>
+            </a:r>
+            <a:r>
+              <a:rPr lang="en-US" sz="4000" dirty="0" smtClean="0"/>
+              <a:t>=[input1,input2… </a:t>
+            </a:r>
+            <a:r>
+              <a:rPr lang="en-US" sz="4000" dirty="0" err="1" smtClean="0"/>
+              <a:t>inputN</a:t>
+            </a:r>
+            <a:r>
+              <a:rPr lang="en-US" sz="4000" dirty="0" smtClean="0"/>
+              <a:t>], </a:t>
+            </a:r>
+            <a:r>
+              <a:rPr lang="en-US" sz="4000" dirty="0"/>
+              <a:t>outputs</a:t>
+            </a:r>
+            <a:r>
+              <a:rPr lang="en-US" sz="4000" dirty="0" smtClean="0"/>
+              <a:t>=[output1, output2… </a:t>
+            </a:r>
+            <a:r>
+              <a:rPr lang="en-US" sz="4000" dirty="0" err="1" smtClean="0"/>
+              <a:t>outputN</a:t>
+            </a:r>
+            <a:r>
+              <a:rPr lang="en-US" sz="4000" dirty="0" smtClean="0"/>
+              <a:t>])</a:t>
+            </a:r>
+            <a:endParaRPr lang="en-US" sz="4000" dirty="0"/>
+          </a:p>
+        </p:txBody>
+      </p:sp>
+    </p:spTree>
+    <p:extLst>
+      <p:ext uri="{BB962C8B-B14F-4D97-AF65-F5344CB8AC3E}">
+        <p14:creationId xmlns:p14="http://schemas.microsoft.com/office/powerpoint/2010/main" val="175955231"/>
+      </p:ext>
+    </p:extLst>
+  </p:cSld>
+  <p:clrMapOvr>
+    <a:masterClrMapping/>
+  </p:clrMapOvr>
+</p:sld>
+</file>
+
+<file path=ppt/slides/slide17.xml><?xml version="1.0" encoding="utf-8"?>
+<p:sld xmlns:a="http://schemas.openxmlformats.org/drawingml/2006/main" xmlns:r="http://schemas.openxmlformats.org/officeDocument/2006/relationships" xmlns:p="http://schemas.openxmlformats.org/presentationml/2006/main">
+  <p:cSld>
+    <p:spTree>
+      <p:nvGrpSpPr>
+        <p:cNvPr id="1" name=""/>
+        <p:cNvGrpSpPr/>
+        <p:nvPr/>
+      </p:nvGrpSpPr>
+      <p:grpSpPr>
+        <a:xfrm>
+          <a:off x="0" y="0"/>
+          <a:ext cx="0" cy="0"/>
+          <a:chOff x="0" y="0"/>
+          <a:chExt cx="0" cy="0"/>
+        </a:xfrm>
+      </p:grpSpPr>
+      <p:sp>
+        <p:nvSpPr>
+          <p:cNvPr id="2" name="Title 1"/>
+          <p:cNvSpPr>
+            <a:spLocks noGrp="1"/>
+          </p:cNvSpPr>
+          <p:nvPr>
+            <p:ph type="title"/>
+          </p:nvPr>
+        </p:nvSpPr>
+        <p:spPr/>
+        <p:txBody>
+          <a:bodyPr/>
+          <a:lstStyle/>
+          <a:p>
+            <a:r>
+              <a:rPr lang="en-US" dirty="0" err="1" smtClean="0"/>
+              <a:t>Concat</a:t>
+            </a:r>
+            <a:endParaRPr lang="en-US" dirty="0"/>
+          </a:p>
+        </p:txBody>
+      </p:sp>
+      <p:sp>
+        <p:nvSpPr>
+          <p:cNvPr id="3" name="Content Placeholder 2"/>
+          <p:cNvSpPr>
+            <a:spLocks noGrp="1"/>
+          </p:cNvSpPr>
+          <p:nvPr>
+            <p:ph idx="1"/>
+          </p:nvPr>
+        </p:nvSpPr>
+        <p:spPr/>
+        <p:txBody>
+          <a:bodyPr>
+            <a:normAutofit/>
+          </a:bodyPr>
+          <a:lstStyle/>
+          <a:p>
+            <a:r>
+              <a:rPr lang="en-US" sz="4000" dirty="0" err="1"/>
+              <a:t>keras.layers.Concatenate</a:t>
+            </a:r>
+            <a:r>
+              <a:rPr lang="en-US" sz="4000" dirty="0"/>
+              <a:t>(axis=-1</a:t>
+            </a:r>
+            <a:r>
+              <a:rPr lang="en-US" sz="4000" dirty="0" smtClean="0"/>
+              <a:t>)</a:t>
+            </a:r>
+          </a:p>
+          <a:p>
+            <a:endParaRPr lang="en-US" sz="4000" dirty="0"/>
+          </a:p>
+          <a:p>
+            <a:r>
+              <a:rPr lang="en-US" sz="4000" i="1" dirty="0" smtClean="0"/>
+              <a:t>[1,2,3]</a:t>
+            </a:r>
+            <a:r>
+              <a:rPr lang="en-US" sz="4000" dirty="0" smtClean="0"/>
+              <a:t> concatenated with </a:t>
+            </a:r>
+            <a:r>
+              <a:rPr lang="en-US" sz="4000" i="1" dirty="0" smtClean="0"/>
+              <a:t>[4,5,6]</a:t>
+            </a:r>
+            <a:r>
+              <a:rPr lang="en-US" sz="4000" dirty="0" smtClean="0"/>
+              <a:t> = </a:t>
+            </a:r>
+            <a:r>
+              <a:rPr lang="en-US" sz="4000" i="1" dirty="0" smtClean="0"/>
+              <a:t>[1,2,3,4,5,6]</a:t>
+            </a:r>
+            <a:endParaRPr lang="en-US" sz="4000" i="1" dirty="0"/>
+          </a:p>
+          <a:p>
+            <a:endParaRPr lang="en-US" sz="4000" dirty="0"/>
+          </a:p>
+        </p:txBody>
+      </p:sp>
+    </p:spTree>
+    <p:extLst>
+      <p:ext uri="{BB962C8B-B14F-4D97-AF65-F5344CB8AC3E}">
+        <p14:creationId xmlns:p14="http://schemas.microsoft.com/office/powerpoint/2010/main" val="4023721921"/>
+      </p:ext>
+    </p:extLst>
+  </p:cSld>
+  <p:clrMapOvr>
+    <a:masterClrMapping/>
+  </p:clrMapOvr>
+</p:sld>
+</file>
+
 <file path=ppt/slides/slide2.xml><?xml version="1.0" encoding="utf-8"?>
 <p:sld xmlns:a="http://schemas.openxmlformats.org/drawingml/2006/main" xmlns:r="http://schemas.openxmlformats.org/officeDocument/2006/relationships" xmlns:p="http://schemas.openxmlformats.org/presentationml/2006/main">
   <p:cSld>
@@ -4570,6 +5516,77 @@
           </a:p>
         </p:txBody>
       </p:sp>
+      <p:pic>
+        <p:nvPicPr>
+          <p:cNvPr id="3074" name="Picture 2" descr="Image result for stochastic gradient descent"/>
+          <p:cNvPicPr>
+            <a:picLocks noChangeAspect="1" noChangeArrowheads="1"/>
+          </p:cNvPicPr>
+          <p:nvPr/>
+        </p:nvPicPr>
+        <p:blipFill>
+          <a:blip r:embed="rId3">
+            <a:extLst>
+              <a:ext uri="{28A0092B-C50C-407E-A947-70E740481C1C}">
+                <a14:useLocalDpi xmlns:a14="http://schemas.microsoft.com/office/drawing/2010/main" val="0"/>
+              </a:ext>
+            </a:extLst>
+          </a:blip>
+          <a:srcRect/>
+          <a:stretch>
+            <a:fillRect/>
+          </a:stretch>
+        </p:blipFill>
+        <p:spPr bwMode="auto">
+          <a:xfrm>
+            <a:off x="223058" y="1946925"/>
+            <a:ext cx="3130110" cy="1695043"/>
+          </a:xfrm>
+          <a:prstGeom prst="rect">
+            <a:avLst/>
+          </a:prstGeom>
+          <a:noFill/>
+          <a:extLst>
+            <a:ext uri="{909E8E84-426E-40DD-AFC4-6F175D3DCCD1}">
+              <a14:hiddenFill xmlns:a14="http://schemas.microsoft.com/office/drawing/2010/main">
+                <a:solidFill>
+                  <a:srgbClr val="FFFFFF"/>
+                </a:solidFill>
+              </a14:hiddenFill>
+            </a:ext>
+          </a:extLst>
+        </p:spPr>
+      </p:pic>
+      <p:sp>
+        <p:nvSpPr>
+          <p:cNvPr id="3" name="TextBox 2"/>
+          <p:cNvSpPr txBox="1"/>
+          <p:nvPr/>
+        </p:nvSpPr>
+        <p:spPr>
+          <a:xfrm>
+            <a:off x="836246" y="3701108"/>
+            <a:ext cx="1199944" cy="369332"/>
+          </a:xfrm>
+          <a:prstGeom prst="rect">
+            <a:avLst/>
+          </a:prstGeom>
+          <a:noFill/>
+        </p:spPr>
+        <p:txBody>
+          <a:bodyPr wrap="none" rtlCol="0">
+            <a:spAutoFit/>
+          </a:bodyPr>
+          <a:lstStyle/>
+          <a:p>
+            <a:r>
+              <a:rPr lang="en-US" dirty="0" smtClean="0"/>
+              <a:t>Optimizing</a:t>
+            </a:r>
+            <a:endParaRPr lang="en-US" dirty="0"/>
+          </a:p>
+        </p:txBody>
+      </p:sp>
     </p:spTree>
     <p:extLst>
       <p:ext uri="{BB962C8B-B14F-4D97-AF65-F5344CB8AC3E}">
@@ -5349,11 +6366,7 @@
           <a:p>
             <a:r>
               <a:rPr lang="en-US" dirty="0" smtClean="0"/>
-              <a:t>Other concerns </a:t>
-            </a:r>
-            <a:r>
-              <a:rPr lang="en-US" dirty="0" smtClean="0"/>
-              <a:t>(or </a:t>
+              <a:t>Other concerns (or </a:t>
             </a:r>
             <a:r>
               <a:rPr lang="en-US" dirty="0" err="1" smtClean="0"/>
@@ -5435,11 +6448,7 @@
           <a:p>
             <a:r>
               <a:rPr lang="en-US" sz="2400" dirty="0" smtClean="0"/>
-              <a:t>Initializers, </a:t>
-            </a:r>
-            <a:r>
-              <a:rPr lang="en-US" sz="2400" dirty="0" smtClean="0"/>
-              <a:t>activations</a:t>
+              <a:t>Initializers, activations</a:t>
             </a:r>
           </a:p>
           <a:p>
@@ -5447,7 +6456,6 @@
               <a:rPr lang="en-US" sz="2400" dirty="0" smtClean="0"/>
               <a:t>“Pre training”</a:t>
             </a:r>
-            <a:endParaRPr lang="en-US" sz="2400" dirty="0" smtClean="0"/>
           </a:p>
           <a:p>
             <a:endParaRPr lang="en-US" sz="2400" dirty="0"/>
@@ -5509,7 +6517,7 @@
 </file>
 
 <file path=ppt/slides/slide9.xml><?xml version="1.0" encoding="utf-8"?>
-<p:sld xmlns:a="http://schemas.openxmlformats.org/drawingml/2006/main" xmlns:r="http://schemas.openxmlformats.org/officeDocument/2006/relationships" xmlns:p="http://schemas.openxmlformats.org/presentationml/2006/main">
+<p:sld xmlns:a="http://schemas.openxmlformats.org/drawingml/2006/main" xmlns:r="http://schemas.openxmlformats.org/officeDocument/2006/relationships" xmlns:p="http://schemas.openxmlformats.org/presentationml/2006/main" show="0">
   <p:cSld>
     <p:spTree>
       <p:nvGrpSpPr>
@@ -5541,8 +6549,16 @@
           <a:lstStyle/>
           <a:p>
             <a:r>
+              <a:rPr lang="en-US" dirty="0" err="1" smtClean="0"/>
+              <a:t>ReLU</a:t>
+            </a:r>
+            <a:r>
               <a:rPr lang="en-US" dirty="0" smtClean="0"/>
-              <a:t>Hands on time</a:t>
+              <a:t> vs Sigmoid vs </a:t>
+            </a:r>
+            <a:r>
+              <a:rPr lang="en-US" dirty="0" err="1" smtClean="0"/>
+              <a:t>TanH</a:t>
             </a:r>
             <a:endParaRPr lang="en-US" dirty="0"/>
           </a:p>
@@ -5563,13 +6579,13 @@
           <a:bodyPr/>
           <a:lstStyle/>
           <a:p>
-            <a:endParaRPr lang="en-US"/>
+            <a:endParaRPr lang="en-US" dirty="0"/>
           </a:p>
         </p:txBody>
       </p:sp>
       <p:pic>
         <p:nvPicPr>
-          <p:cNvPr id="1026" name="Picture 2" descr="JAZZ HANDS Cat cat small to medium sized cats cat like mammal whiskers"/>
+          <p:cNvPr id="6146" name="Picture 2" descr="Image result for relu vs tanh vs sigmoid"/>
           <p:cNvPicPr>
             <a:picLocks noChangeAspect="1" noChangeArrowheads="1"/>
           </p:cNvPicPr>
@@ -5590,8 +6606,8 @@
         </p:blipFill>
         <p:spPr bwMode="auto">
           <a:xfrm>
-            <a:off x="4643717" y="1737360"/>
-            <a:ext cx="3409763" cy="4439796"/>
+            <a:off x="158390" y="1893860"/>
+            <a:ext cx="11937357" cy="3491470"/>
           </a:xfrm>
           <a:prstGeom prst="rect">
             <a:avLst/>
@@ -5611,13 +6627,21 @@
     </p:spTree>
     <p:extLst>
       <p:ext uri="{BB962C8B-B14F-4D97-AF65-F5344CB8AC3E}">
-        <p14:creationId xmlns:p14="http://schemas.microsoft.com/office/powerpoint/2010/main" val="2642274662"/>
+        <p14:creationId xmlns:p14="http://schemas.microsoft.com/office/powerpoint/2010/main" val="1809559016"/>
       </p:ext>
     </p:extLst>
   </p:cSld>
   <p:clrMapOvr>
     <a:masterClrMapping/>
   </p:clrMapOvr>
+  <mc:AlternateContent xmlns:mc="http://schemas.openxmlformats.org/markup-compatibility/2006">
+    <mc:Choice xmlns:p14="http://schemas.microsoft.com/office/powerpoint/2010/main" Requires="p14">
+      <p:transition spd="slow" p14:dur="2000"/>
+    </mc:Choice>
+    <mc:Fallback>
+      <p:transition spd="slow"/>
+    </mc:Fallback>
+  </mc:AlternateContent>
 </p:sld>
 </file>
 

--- a/Hands-on slides.pptx
+++ b/Hands-on slides.pptx
@@ -4,6 +4,9 @@
   <p:sldMasterIdLst>
     <p:sldMasterId id="2147483684" r:id="rId1"/>
   </p:sldMasterIdLst>
+  <p:notesMasterIdLst>
+    <p:notesMasterId r:id="rId20"/>
+  </p:notesMasterIdLst>
   <p:sldIdLst>
     <p:sldId id="256" r:id="rId2"/>
     <p:sldId id="258" r:id="rId3"/>
@@ -11,17 +14,18 @@
     <p:sldId id="260" r:id="rId5"/>
     <p:sldId id="257" r:id="rId6"/>
     <p:sldId id="261" r:id="rId7"/>
-    <p:sldId id="264" r:id="rId8"/>
-    <p:sldId id="262" r:id="rId9"/>
-    <p:sldId id="271" r:id="rId10"/>
-    <p:sldId id="266" r:id="rId11"/>
-    <p:sldId id="263" r:id="rId12"/>
-    <p:sldId id="273" r:id="rId13"/>
-    <p:sldId id="265" r:id="rId14"/>
-    <p:sldId id="267" r:id="rId15"/>
-    <p:sldId id="268" r:id="rId16"/>
-    <p:sldId id="269" r:id="rId17"/>
-    <p:sldId id="270" r:id="rId18"/>
+    <p:sldId id="274" r:id="rId8"/>
+    <p:sldId id="264" r:id="rId9"/>
+    <p:sldId id="262" r:id="rId10"/>
+    <p:sldId id="271" r:id="rId11"/>
+    <p:sldId id="266" r:id="rId12"/>
+    <p:sldId id="263" r:id="rId13"/>
+    <p:sldId id="273" r:id="rId14"/>
+    <p:sldId id="265" r:id="rId15"/>
+    <p:sldId id="267" r:id="rId16"/>
+    <p:sldId id="268" r:id="rId17"/>
+    <p:sldId id="269" r:id="rId18"/>
+    <p:sldId id="270" r:id="rId19"/>
   </p:sldIdLst>
   <p:sldSz cx="12192000" cy="6858000"/>
   <p:notesSz cx="6858000" cy="9144000"/>
@@ -128,6 +132,440 @@
 </p:presentation>
 </file>
 
+<file path=ppt/notesMasters/notesMaster1.xml><?xml version="1.0" encoding="utf-8"?>
+<p:notesMaster xmlns:a="http://schemas.openxmlformats.org/drawingml/2006/main" xmlns:r="http://schemas.openxmlformats.org/officeDocument/2006/relationships" xmlns:p="http://schemas.openxmlformats.org/presentationml/2006/main">
+  <p:cSld>
+    <p:bg>
+      <p:bgRef idx="1001">
+        <a:schemeClr val="bg1"/>
+      </p:bgRef>
+    </p:bg>
+    <p:spTree>
+      <p:nvGrpSpPr>
+        <p:cNvPr id="1" name=""/>
+        <p:cNvGrpSpPr/>
+        <p:nvPr/>
+      </p:nvGrpSpPr>
+      <p:grpSpPr>
+        <a:xfrm>
+          <a:off x="0" y="0"/>
+          <a:ext cx="0" cy="0"/>
+          <a:chOff x="0" y="0"/>
+          <a:chExt cx="0" cy="0"/>
+        </a:xfrm>
+      </p:grpSpPr>
+      <p:sp>
+        <p:nvSpPr>
+          <p:cNvPr id="2" name="Header Placeholder 1"/>
+          <p:cNvSpPr>
+            <a:spLocks noGrp="1"/>
+          </p:cNvSpPr>
+          <p:nvPr>
+            <p:ph type="hdr" sz="quarter"/>
+          </p:nvPr>
+        </p:nvSpPr>
+        <p:spPr>
+          <a:xfrm>
+            <a:off x="0" y="0"/>
+            <a:ext cx="2971800" cy="458788"/>
+          </a:xfrm>
+          <a:prstGeom prst="rect">
+            <a:avLst/>
+          </a:prstGeom>
+        </p:spPr>
+        <p:txBody>
+          <a:bodyPr vert="horz" lIns="91440" tIns="45720" rIns="91440" bIns="45720" rtlCol="0"/>
+          <a:lstStyle>
+            <a:lvl1pPr algn="l">
+              <a:defRPr sz="1200"/>
+            </a:lvl1pPr>
+          </a:lstStyle>
+          <a:p>
+            <a:endParaRPr lang="en-US"/>
+          </a:p>
+        </p:txBody>
+      </p:sp>
+      <p:sp>
+        <p:nvSpPr>
+          <p:cNvPr id="3" name="Date Placeholder 2"/>
+          <p:cNvSpPr>
+            <a:spLocks noGrp="1"/>
+          </p:cNvSpPr>
+          <p:nvPr>
+            <p:ph type="dt" idx="1"/>
+          </p:nvPr>
+        </p:nvSpPr>
+        <p:spPr>
+          <a:xfrm>
+            <a:off x="3884613" y="0"/>
+            <a:ext cx="2971800" cy="458788"/>
+          </a:xfrm>
+          <a:prstGeom prst="rect">
+            <a:avLst/>
+          </a:prstGeom>
+        </p:spPr>
+        <p:txBody>
+          <a:bodyPr vert="horz" lIns="91440" tIns="45720" rIns="91440" bIns="45720" rtlCol="0"/>
+          <a:lstStyle>
+            <a:lvl1pPr algn="r">
+              <a:defRPr sz="1200"/>
+            </a:lvl1pPr>
+          </a:lstStyle>
+          <a:p>
+            <a:fld id="{9D0FF7E5-3EEB-4421-AF62-8E3BAB0E48A9}" type="datetimeFigureOut">
+              <a:rPr lang="en-US" smtClean="0"/>
+              <a:t>5/24/2018</a:t>
+            </a:fld>
+            <a:endParaRPr lang="en-US"/>
+          </a:p>
+        </p:txBody>
+      </p:sp>
+      <p:sp>
+        <p:nvSpPr>
+          <p:cNvPr id="4" name="Slide Image Placeholder 3"/>
+          <p:cNvSpPr>
+            <a:spLocks noGrp="1" noRot="1" noChangeAspect="1"/>
+          </p:cNvSpPr>
+          <p:nvPr>
+            <p:ph type="sldImg" idx="2"/>
+          </p:nvPr>
+        </p:nvSpPr>
+        <p:spPr>
+          <a:xfrm>
+            <a:off x="685800" y="1143000"/>
+            <a:ext cx="5486400" cy="3086100"/>
+          </a:xfrm>
+          <a:prstGeom prst="rect">
+            <a:avLst/>
+          </a:prstGeom>
+          <a:noFill/>
+          <a:ln w="12700">
+            <a:solidFill>
+              <a:prstClr val="black"/>
+            </a:solidFill>
+          </a:ln>
+        </p:spPr>
+        <p:txBody>
+          <a:bodyPr vert="horz" lIns="91440" tIns="45720" rIns="91440" bIns="45720" rtlCol="0" anchor="ctr"/>
+          <a:lstStyle/>
+          <a:p>
+            <a:endParaRPr lang="en-US"/>
+          </a:p>
+        </p:txBody>
+      </p:sp>
+      <p:sp>
+        <p:nvSpPr>
+          <p:cNvPr id="5" name="Notes Placeholder 4"/>
+          <p:cNvSpPr>
+            <a:spLocks noGrp="1"/>
+          </p:cNvSpPr>
+          <p:nvPr>
+            <p:ph type="body" sz="quarter" idx="3"/>
+          </p:nvPr>
+        </p:nvSpPr>
+        <p:spPr>
+          <a:xfrm>
+            <a:off x="685800" y="4400550"/>
+            <a:ext cx="5486400" cy="3600450"/>
+          </a:xfrm>
+          <a:prstGeom prst="rect">
+            <a:avLst/>
+          </a:prstGeom>
+        </p:spPr>
+        <p:txBody>
+          <a:bodyPr vert="horz" lIns="91440" tIns="45720" rIns="91440" bIns="45720" rtlCol="0"/>
+          <a:lstStyle/>
+          <a:p>
+            <a:pPr lvl="0"/>
+            <a:r>
+              <a:rPr lang="en-US" smtClean="0"/>
+              <a:t>Edit Master text styles</a:t>
+            </a:r>
+          </a:p>
+          <a:p>
+            <a:pPr lvl="1"/>
+            <a:r>
+              <a:rPr lang="en-US" smtClean="0"/>
+              <a:t>Second level</a:t>
+            </a:r>
+          </a:p>
+          <a:p>
+            <a:pPr lvl="2"/>
+            <a:r>
+              <a:rPr lang="en-US" smtClean="0"/>
+              <a:t>Third level</a:t>
+            </a:r>
+          </a:p>
+          <a:p>
+            <a:pPr lvl="3"/>
+            <a:r>
+              <a:rPr lang="en-US" smtClean="0"/>
+              <a:t>Fourth level</a:t>
+            </a:r>
+          </a:p>
+          <a:p>
+            <a:pPr lvl="4"/>
+            <a:r>
+              <a:rPr lang="en-US" smtClean="0"/>
+              <a:t>Fifth level</a:t>
+            </a:r>
+            <a:endParaRPr lang="en-US"/>
+          </a:p>
+        </p:txBody>
+      </p:sp>
+      <p:sp>
+        <p:nvSpPr>
+          <p:cNvPr id="6" name="Footer Placeholder 5"/>
+          <p:cNvSpPr>
+            <a:spLocks noGrp="1"/>
+          </p:cNvSpPr>
+          <p:nvPr>
+            <p:ph type="ftr" sz="quarter" idx="4"/>
+          </p:nvPr>
+        </p:nvSpPr>
+        <p:spPr>
+          <a:xfrm>
+            <a:off x="0" y="8685213"/>
+            <a:ext cx="2971800" cy="458787"/>
+          </a:xfrm>
+          <a:prstGeom prst="rect">
+            <a:avLst/>
+          </a:prstGeom>
+        </p:spPr>
+        <p:txBody>
+          <a:bodyPr vert="horz" lIns="91440" tIns="45720" rIns="91440" bIns="45720" rtlCol="0" anchor="b"/>
+          <a:lstStyle>
+            <a:lvl1pPr algn="l">
+              <a:defRPr sz="1200"/>
+            </a:lvl1pPr>
+          </a:lstStyle>
+          <a:p>
+            <a:endParaRPr lang="en-US"/>
+          </a:p>
+        </p:txBody>
+      </p:sp>
+      <p:sp>
+        <p:nvSpPr>
+          <p:cNvPr id="7" name="Slide Number Placeholder 6"/>
+          <p:cNvSpPr>
+            <a:spLocks noGrp="1"/>
+          </p:cNvSpPr>
+          <p:nvPr>
+            <p:ph type="sldNum" sz="quarter" idx="5"/>
+          </p:nvPr>
+        </p:nvSpPr>
+        <p:spPr>
+          <a:xfrm>
+            <a:off x="3884613" y="8685213"/>
+            <a:ext cx="2971800" cy="458787"/>
+          </a:xfrm>
+          <a:prstGeom prst="rect">
+            <a:avLst/>
+          </a:prstGeom>
+        </p:spPr>
+        <p:txBody>
+          <a:bodyPr vert="horz" lIns="91440" tIns="45720" rIns="91440" bIns="45720" rtlCol="0" anchor="b"/>
+          <a:lstStyle>
+            <a:lvl1pPr algn="r">
+              <a:defRPr sz="1200"/>
+            </a:lvl1pPr>
+          </a:lstStyle>
+          <a:p>
+            <a:fld id="{728B8944-55D2-4413-8B1C-35E42F494727}" type="slidenum">
+              <a:rPr lang="en-US" smtClean="0"/>
+              <a:t>‹#›</a:t>
+            </a:fld>
+            <a:endParaRPr lang="en-US"/>
+          </a:p>
+        </p:txBody>
+      </p:sp>
+    </p:spTree>
+    <p:extLst>
+      <p:ext uri="{BB962C8B-B14F-4D97-AF65-F5344CB8AC3E}">
+        <p14:creationId xmlns:p14="http://schemas.microsoft.com/office/powerpoint/2010/main" val="2656873590"/>
+      </p:ext>
+    </p:extLst>
+  </p:cSld>
+  <p:clrMap bg1="lt1" tx1="dk1" bg2="lt2" tx2="dk2" accent1="accent1" accent2="accent2" accent3="accent3" accent4="accent4" accent5="accent5" accent6="accent6" hlink="hlink" folHlink="folHlink"/>
+  <p:notesStyle>
+    <a:lvl1pPr marL="0" algn="l" defTabSz="914400" rtl="0" eaLnBrk="1" latinLnBrk="0" hangingPunct="1">
+      <a:defRPr sz="1200" kern="1200">
+        <a:solidFill>
+          <a:schemeClr val="tx1"/>
+        </a:solidFill>
+        <a:latin typeface="+mn-lt"/>
+        <a:ea typeface="+mn-ea"/>
+        <a:cs typeface="+mn-cs"/>
+      </a:defRPr>
+    </a:lvl1pPr>
+    <a:lvl2pPr marL="457200" algn="l" defTabSz="914400" rtl="0" eaLnBrk="1" latinLnBrk="0" hangingPunct="1">
+      <a:defRPr sz="1200" kern="1200">
+        <a:solidFill>
+          <a:schemeClr val="tx1"/>
+        </a:solidFill>
+        <a:latin typeface="+mn-lt"/>
+        <a:ea typeface="+mn-ea"/>
+        <a:cs typeface="+mn-cs"/>
+      </a:defRPr>
+    </a:lvl2pPr>
+    <a:lvl3pPr marL="914400" algn="l" defTabSz="914400" rtl="0" eaLnBrk="1" latinLnBrk="0" hangingPunct="1">
+      <a:defRPr sz="1200" kern="1200">
+        <a:solidFill>
+          <a:schemeClr val="tx1"/>
+        </a:solidFill>
+        <a:latin typeface="+mn-lt"/>
+        <a:ea typeface="+mn-ea"/>
+        <a:cs typeface="+mn-cs"/>
+      </a:defRPr>
+    </a:lvl3pPr>
+    <a:lvl4pPr marL="1371600" algn="l" defTabSz="914400" rtl="0" eaLnBrk="1" latinLnBrk="0" hangingPunct="1">
+      <a:defRPr sz="1200" kern="1200">
+        <a:solidFill>
+          <a:schemeClr val="tx1"/>
+        </a:solidFill>
+        <a:latin typeface="+mn-lt"/>
+        <a:ea typeface="+mn-ea"/>
+        <a:cs typeface="+mn-cs"/>
+      </a:defRPr>
+    </a:lvl4pPr>
+    <a:lvl5pPr marL="1828800" algn="l" defTabSz="914400" rtl="0" eaLnBrk="1" latinLnBrk="0" hangingPunct="1">
+      <a:defRPr sz="1200" kern="1200">
+        <a:solidFill>
+          <a:schemeClr val="tx1"/>
+        </a:solidFill>
+        <a:latin typeface="+mn-lt"/>
+        <a:ea typeface="+mn-ea"/>
+        <a:cs typeface="+mn-cs"/>
+      </a:defRPr>
+    </a:lvl5pPr>
+    <a:lvl6pPr marL="2286000" algn="l" defTabSz="914400" rtl="0" eaLnBrk="1" latinLnBrk="0" hangingPunct="1">
+      <a:defRPr sz="1200" kern="1200">
+        <a:solidFill>
+          <a:schemeClr val="tx1"/>
+        </a:solidFill>
+        <a:latin typeface="+mn-lt"/>
+        <a:ea typeface="+mn-ea"/>
+        <a:cs typeface="+mn-cs"/>
+      </a:defRPr>
+    </a:lvl6pPr>
+    <a:lvl7pPr marL="2743200" algn="l" defTabSz="914400" rtl="0" eaLnBrk="1" latinLnBrk="0" hangingPunct="1">
+      <a:defRPr sz="1200" kern="1200">
+        <a:solidFill>
+          <a:schemeClr val="tx1"/>
+        </a:solidFill>
+        <a:latin typeface="+mn-lt"/>
+        <a:ea typeface="+mn-ea"/>
+        <a:cs typeface="+mn-cs"/>
+      </a:defRPr>
+    </a:lvl7pPr>
+    <a:lvl8pPr marL="3200400" algn="l" defTabSz="914400" rtl="0" eaLnBrk="1" latinLnBrk="0" hangingPunct="1">
+      <a:defRPr sz="1200" kern="1200">
+        <a:solidFill>
+          <a:schemeClr val="tx1"/>
+        </a:solidFill>
+        <a:latin typeface="+mn-lt"/>
+        <a:ea typeface="+mn-ea"/>
+        <a:cs typeface="+mn-cs"/>
+      </a:defRPr>
+    </a:lvl8pPr>
+    <a:lvl9pPr marL="3657600" algn="l" defTabSz="914400" rtl="0" eaLnBrk="1" latinLnBrk="0" hangingPunct="1">
+      <a:defRPr sz="1200" kern="1200">
+        <a:solidFill>
+          <a:schemeClr val="tx1"/>
+        </a:solidFill>
+        <a:latin typeface="+mn-lt"/>
+        <a:ea typeface="+mn-ea"/>
+        <a:cs typeface="+mn-cs"/>
+      </a:defRPr>
+    </a:lvl9pPr>
+  </p:notesStyle>
+</p:notesMaster>
+</file>
+
+<file path=ppt/notesSlides/notesSlide1.xml><?xml version="1.0" encoding="utf-8"?>
+<p:notes xmlns:a="http://schemas.openxmlformats.org/drawingml/2006/main" xmlns:r="http://schemas.openxmlformats.org/officeDocument/2006/relationships" xmlns:p="http://schemas.openxmlformats.org/presentationml/2006/main">
+  <p:cSld>
+    <p:spTree>
+      <p:nvGrpSpPr>
+        <p:cNvPr id="1" name=""/>
+        <p:cNvGrpSpPr/>
+        <p:nvPr/>
+      </p:nvGrpSpPr>
+      <p:grpSpPr>
+        <a:xfrm>
+          <a:off x="0" y="0"/>
+          <a:ext cx="0" cy="0"/>
+          <a:chOff x="0" y="0"/>
+          <a:chExt cx="0" cy="0"/>
+        </a:xfrm>
+      </p:grpSpPr>
+      <p:sp>
+        <p:nvSpPr>
+          <p:cNvPr id="2" name="Slide Image Placeholder 1"/>
+          <p:cNvSpPr>
+            <a:spLocks noGrp="1" noRot="1" noChangeAspect="1"/>
+          </p:cNvSpPr>
+          <p:nvPr>
+            <p:ph type="sldImg"/>
+          </p:nvPr>
+        </p:nvSpPr>
+        <p:spPr/>
+      </p:sp>
+      <p:sp>
+        <p:nvSpPr>
+          <p:cNvPr id="3" name="Notes Placeholder 2"/>
+          <p:cNvSpPr>
+            <a:spLocks noGrp="1"/>
+          </p:cNvSpPr>
+          <p:nvPr>
+            <p:ph type="body" idx="1"/>
+          </p:nvPr>
+        </p:nvSpPr>
+        <p:spPr/>
+        <p:txBody>
+          <a:bodyPr/>
+          <a:lstStyle/>
+          <a:p>
+            <a:endParaRPr lang="en-US" dirty="0"/>
+          </a:p>
+        </p:txBody>
+      </p:sp>
+      <p:sp>
+        <p:nvSpPr>
+          <p:cNvPr id="4" name="Slide Number Placeholder 3"/>
+          <p:cNvSpPr>
+            <a:spLocks noGrp="1"/>
+          </p:cNvSpPr>
+          <p:nvPr>
+            <p:ph type="sldNum" sz="quarter" idx="10"/>
+          </p:nvPr>
+        </p:nvSpPr>
+        <p:spPr/>
+        <p:txBody>
+          <a:bodyPr/>
+          <a:lstStyle/>
+          <a:p>
+            <a:fld id="{728B8944-55D2-4413-8B1C-35E42F494727}" type="slidenum">
+              <a:rPr lang="en-US" smtClean="0"/>
+              <a:t>7</a:t>
+            </a:fld>
+            <a:endParaRPr lang="en-US"/>
+          </a:p>
+        </p:txBody>
+      </p:sp>
+    </p:spTree>
+    <p:extLst>
+      <p:ext uri="{BB962C8B-B14F-4D97-AF65-F5344CB8AC3E}">
+        <p14:creationId xmlns:p14="http://schemas.microsoft.com/office/powerpoint/2010/main" val="3666723375"/>
+      </p:ext>
+    </p:extLst>
+  </p:cSld>
+  <p:clrMapOvr>
+    <a:masterClrMapping/>
+  </p:clrMapOvr>
+</p:notes>
+</file>
+
 <file path=ppt/slideLayouts/slideLayout1.xml><?xml version="1.0" encoding="utf-8"?>
 <p:sldLayout xmlns:a="http://schemas.openxmlformats.org/drawingml/2006/main" xmlns:r="http://schemas.openxmlformats.org/officeDocument/2006/relationships" xmlns:p="http://schemas.openxmlformats.org/presentationml/2006/main" showMasterSp="0" type="title" preserve="1">
   <p:cSld name="Title Slide">
@@ -354,7 +792,7 @@
           <a:p>
             <a:fld id="{CA79C2A5-9A78-482B-8287-E9F899BA3661}" type="datetimeFigureOut">
               <a:rPr lang="en-US" smtClean="0"/>
-              <a:t>5/23/2018</a:t>
+              <a:t>5/24/2018</a:t>
             </a:fld>
             <a:endParaRPr lang="en-US"/>
           </a:p>
@@ -562,7 +1000,7 @@
           <a:p>
             <a:fld id="{CA79C2A5-9A78-482B-8287-E9F899BA3661}" type="datetimeFigureOut">
               <a:rPr lang="en-US" smtClean="0"/>
-              <a:t>5/23/2018</a:t>
+              <a:t>5/24/2018</a:t>
             </a:fld>
             <a:endParaRPr lang="en-US"/>
           </a:p>
@@ -818,7 +1256,7 @@
           <a:p>
             <a:fld id="{CA79C2A5-9A78-482B-8287-E9F899BA3661}" type="datetimeFigureOut">
               <a:rPr lang="en-US" smtClean="0"/>
-              <a:t>5/23/2018</a:t>
+              <a:t>5/24/2018</a:t>
             </a:fld>
             <a:endParaRPr lang="en-US"/>
           </a:p>
@@ -992,7 +1430,7 @@
           <a:p>
             <a:fld id="{CA79C2A5-9A78-482B-8287-E9F899BA3661}" type="datetimeFigureOut">
               <a:rPr lang="en-US" smtClean="0"/>
-              <a:t>5/23/2018</a:t>
+              <a:t>5/24/2018</a:t>
             </a:fld>
             <a:endParaRPr lang="en-US"/>
           </a:p>
@@ -1335,7 +1773,7 @@
           <a:p>
             <a:fld id="{CA79C2A5-9A78-482B-8287-E9F899BA3661}" type="datetimeFigureOut">
               <a:rPr lang="en-US" smtClean="0"/>
-              <a:t>5/23/2018</a:t>
+              <a:t>5/24/2018</a:t>
             </a:fld>
             <a:endParaRPr lang="en-US"/>
           </a:p>
@@ -1610,7 +2048,7 @@
           <a:p>
             <a:fld id="{CA79C2A5-9A78-482B-8287-E9F899BA3661}" type="datetimeFigureOut">
               <a:rPr lang="en-US" smtClean="0"/>
-              <a:t>5/23/2018</a:t>
+              <a:t>5/24/2018</a:t>
             </a:fld>
             <a:endParaRPr lang="en-US"/>
           </a:p>
@@ -1989,7 +2427,7 @@
           <a:p>
             <a:fld id="{CA79C2A5-9A78-482B-8287-E9F899BA3661}" type="datetimeFigureOut">
               <a:rPr lang="en-US" smtClean="0"/>
-              <a:t>5/23/2018</a:t>
+              <a:t>5/24/2018</a:t>
             </a:fld>
             <a:endParaRPr lang="en-US"/>
           </a:p>
@@ -2107,7 +2545,7 @@
           <a:p>
             <a:fld id="{CA79C2A5-9A78-482B-8287-E9F899BA3661}" type="datetimeFigureOut">
               <a:rPr lang="en-US" smtClean="0"/>
-              <a:t>5/23/2018</a:t>
+              <a:t>5/24/2018</a:t>
             </a:fld>
             <a:endParaRPr lang="en-US"/>
           </a:p>
@@ -2278,7 +2716,7 @@
           <a:p>
             <a:fld id="{CA79C2A5-9A78-482B-8287-E9F899BA3661}" type="datetimeFigureOut">
               <a:rPr lang="en-US" smtClean="0"/>
-              <a:t>5/23/2018</a:t>
+              <a:t>5/24/2018</a:t>
             </a:fld>
             <a:endParaRPr lang="en-US"/>
           </a:p>
@@ -2632,7 +3070,7 @@
           <a:p>
             <a:fld id="{CA79C2A5-9A78-482B-8287-E9F899BA3661}" type="datetimeFigureOut">
               <a:rPr lang="en-US" smtClean="0"/>
-              <a:t>5/23/2018</a:t>
+              <a:t>5/24/2018</a:t>
             </a:fld>
             <a:endParaRPr lang="en-US"/>
           </a:p>
@@ -3014,7 +3452,7 @@
           <a:p>
             <a:fld id="{CA79C2A5-9A78-482B-8287-E9F899BA3661}" type="datetimeFigureOut">
               <a:rPr lang="en-US" smtClean="0"/>
-              <a:t>5/23/2018</a:t>
+              <a:t>5/24/2018</a:t>
             </a:fld>
             <a:endParaRPr lang="en-US"/>
           </a:p>
@@ -3301,7 +3739,7 @@
           <a:p>
             <a:fld id="{CA79C2A5-9A78-482B-8287-E9F899BA3661}" type="datetimeFigureOut">
               <a:rPr lang="en-US" smtClean="0"/>
-              <a:t>5/23/2018</a:t>
+              <a:t>5/24/2018</a:t>
             </a:fld>
             <a:endParaRPr lang="en-US"/>
           </a:p>
@@ -3900,7 +4338,7 @@
 </file>
 
 <file path=ppt/slides/slide10.xml><?xml version="1.0" encoding="utf-8"?>
-<p:sld xmlns:a="http://schemas.openxmlformats.org/drawingml/2006/main" xmlns:r="http://schemas.openxmlformats.org/officeDocument/2006/relationships" xmlns:p="http://schemas.openxmlformats.org/presentationml/2006/main">
+<p:sld xmlns:a="http://schemas.openxmlformats.org/drawingml/2006/main" xmlns:r="http://schemas.openxmlformats.org/officeDocument/2006/relationships" xmlns:p="http://schemas.openxmlformats.org/presentationml/2006/main" show="0">
   <p:cSld>
     <p:spTree>
       <p:nvGrpSpPr>
@@ -3926,19 +4364,22 @@
             <p:ph type="title"/>
           </p:nvPr>
         </p:nvSpPr>
-        <p:spPr>
-          <a:xfrm>
-            <a:off x="1097280" y="286603"/>
-            <a:ext cx="3550920" cy="1450757"/>
-          </a:xfrm>
-        </p:spPr>
+        <p:spPr/>
         <p:txBody>
           <a:bodyPr/>
           <a:lstStyle/>
           <a:p>
             <a:r>
+              <a:rPr lang="en-US" dirty="0" err="1" smtClean="0"/>
+              <a:t>ReLU</a:t>
+            </a:r>
+            <a:r>
               <a:rPr lang="en-US" dirty="0" smtClean="0"/>
-              <a:t>Functional API</a:t>
+              <a:t> vs Sigmoid vs </a:t>
+            </a:r>
+            <a:r>
+              <a:rPr lang="en-US" dirty="0" err="1" smtClean="0"/>
+              <a:t>TanH</a:t>
             </a:r>
             <a:endParaRPr lang="en-US" dirty="0"/>
           </a:p>
@@ -3965,38 +4406,63 @@
       </p:sp>
       <p:pic>
         <p:nvPicPr>
-          <p:cNvPr id="4" name="Picture 3"/>
+          <p:cNvPr id="6146" name="Picture 2" descr="Image result for relu vs tanh vs sigmoid"/>
           <p:cNvPicPr>
-            <a:picLocks noChangeAspect="1"/>
+            <a:picLocks noChangeAspect="1" noChangeArrowheads="1"/>
           </p:cNvPicPr>
           <p:nvPr/>
         </p:nvPicPr>
         <p:blipFill>
-          <a:blip r:embed="rId2"/>
+          <a:blip r:embed="rId2">
+            <a:extLst>
+              <a:ext uri="{28A0092B-C50C-407E-A947-70E740481C1C}">
+                <a14:useLocalDpi xmlns:a14="http://schemas.microsoft.com/office/drawing/2010/main" val="0"/>
+              </a:ext>
+            </a:extLst>
+          </a:blip>
+          <a:srcRect/>
           <a:stretch>
             <a:fillRect/>
           </a:stretch>
         </p:blipFill>
-        <p:spPr>
-          <a:xfrm>
-            <a:off x="4376304" y="1011981"/>
-            <a:ext cx="7815696" cy="4856897"/>
+        <p:spPr bwMode="auto">
+          <a:xfrm>
+            <a:off x="158390" y="1893860"/>
+            <a:ext cx="11937357" cy="3491470"/>
           </a:xfrm>
           <a:prstGeom prst="rect">
             <a:avLst/>
           </a:prstGeom>
+          <a:noFill/>
+          <a:extLst>
+            <a:ext uri="{909E8E84-426E-40DD-AFC4-6F175D3DCCD1}">
+              <a14:hiddenFill xmlns:a14="http://schemas.microsoft.com/office/drawing/2010/main">
+                <a:solidFill>
+                  <a:srgbClr val="FFFFFF"/>
+                </a:solidFill>
+              </a14:hiddenFill>
+            </a:ext>
+          </a:extLst>
         </p:spPr>
       </p:pic>
     </p:spTree>
     <p:extLst>
       <p:ext uri="{BB962C8B-B14F-4D97-AF65-F5344CB8AC3E}">
-        <p14:creationId xmlns:p14="http://schemas.microsoft.com/office/powerpoint/2010/main" val="3321968974"/>
+        <p14:creationId xmlns:p14="http://schemas.microsoft.com/office/powerpoint/2010/main" val="1809559016"/>
       </p:ext>
     </p:extLst>
   </p:cSld>
   <p:clrMapOvr>
     <a:masterClrMapping/>
   </p:clrMapOvr>
+  <mc:AlternateContent xmlns:mc="http://schemas.openxmlformats.org/markup-compatibility/2006" xmlns:p14="http://schemas.microsoft.com/office/powerpoint/2010/main">
+    <mc:Choice Requires="p14">
+      <p:transition spd="slow" p14:dur="2000"/>
+    </mc:Choice>
+    <mc:Fallback xmlns="">
+      <p:transition spd="slow"/>
+    </mc:Fallback>
+  </mc:AlternateContent>
 </p:sld>
 </file>
 
@@ -4027,83 +4493,71 @@
             <p:ph type="title"/>
           </p:nvPr>
         </p:nvSpPr>
+        <p:spPr>
+          <a:xfrm>
+            <a:off x="1097280" y="286603"/>
+            <a:ext cx="3550920" cy="1450757"/>
+          </a:xfrm>
+        </p:spPr>
+        <p:txBody>
+          <a:bodyPr/>
+          <a:lstStyle/>
+          <a:p>
+            <a:r>
+              <a:rPr lang="en-US" dirty="0" smtClean="0"/>
+              <a:t>Functional API</a:t>
+            </a:r>
+            <a:endParaRPr lang="en-US" dirty="0"/>
+          </a:p>
+        </p:txBody>
+      </p:sp>
+      <p:sp>
+        <p:nvSpPr>
+          <p:cNvPr id="3" name="Content Placeholder 2"/>
+          <p:cNvSpPr>
+            <a:spLocks noGrp="1"/>
+          </p:cNvSpPr>
+          <p:nvPr>
+            <p:ph idx="1"/>
+          </p:nvPr>
+        </p:nvSpPr>
         <p:spPr/>
         <p:txBody>
           <a:bodyPr/>
           <a:lstStyle/>
           <a:p>
-            <a:r>
-              <a:rPr lang="en-US" dirty="0" smtClean="0"/>
-              <a:t>Hands on time</a:t>
-            </a:r>
             <a:endParaRPr lang="en-US" dirty="0"/>
-          </a:p>
-        </p:txBody>
-      </p:sp>
-      <p:sp>
-        <p:nvSpPr>
-          <p:cNvPr id="3" name="Content Placeholder 2"/>
-          <p:cNvSpPr>
-            <a:spLocks noGrp="1"/>
-          </p:cNvSpPr>
-          <p:nvPr>
-            <p:ph idx="1"/>
-          </p:nvPr>
-        </p:nvSpPr>
-        <p:spPr/>
-        <p:txBody>
-          <a:bodyPr/>
-          <a:lstStyle/>
-          <a:p>
-            <a:endParaRPr lang="en-US"/>
           </a:p>
         </p:txBody>
       </p:sp>
       <p:pic>
         <p:nvPicPr>
-          <p:cNvPr id="1026" name="Picture 2" descr="JAZZ HANDS Cat cat small to medium sized cats cat like mammal whiskers"/>
+          <p:cNvPr id="4" name="Picture 3"/>
           <p:cNvPicPr>
-            <a:picLocks noChangeAspect="1" noChangeArrowheads="1"/>
+            <a:picLocks noChangeAspect="1"/>
           </p:cNvPicPr>
           <p:nvPr/>
         </p:nvPicPr>
         <p:blipFill>
-          <a:blip r:embed="rId2">
-            <a:extLst>
-              <a:ext uri="{28A0092B-C50C-407E-A947-70E740481C1C}">
-                <a14:useLocalDpi xmlns:a14="http://schemas.microsoft.com/office/drawing/2010/main" val="0"/>
-              </a:ext>
-            </a:extLst>
-          </a:blip>
-          <a:srcRect/>
+          <a:blip r:embed="rId2"/>
           <a:stretch>
             <a:fillRect/>
           </a:stretch>
         </p:blipFill>
-        <p:spPr bwMode="auto">
-          <a:xfrm>
-            <a:off x="4643717" y="1737360"/>
-            <a:ext cx="3409763" cy="4439796"/>
+        <p:spPr>
+          <a:xfrm>
+            <a:off x="4376304" y="1011981"/>
+            <a:ext cx="7815696" cy="4856897"/>
           </a:xfrm>
           <a:prstGeom prst="rect">
             <a:avLst/>
           </a:prstGeom>
-          <a:noFill/>
-          <a:extLst>
-            <a:ext uri="{909E8E84-426E-40DD-AFC4-6F175D3DCCD1}">
-              <a14:hiddenFill xmlns:a14="http://schemas.microsoft.com/office/drawing/2010/main">
-                <a:solidFill>
-                  <a:srgbClr val="FFFFFF"/>
-                </a:solidFill>
-              </a14:hiddenFill>
-            </a:ext>
-          </a:extLst>
         </p:spPr>
       </p:pic>
     </p:spTree>
     <p:extLst>
       <p:ext uri="{BB962C8B-B14F-4D97-AF65-F5344CB8AC3E}">
-        <p14:creationId xmlns:p14="http://schemas.microsoft.com/office/powerpoint/2010/main" val="2642274662"/>
+        <p14:creationId xmlns:p14="http://schemas.microsoft.com/office/powerpoint/2010/main" val="3321968974"/>
       </p:ext>
     </p:extLst>
   </p:cSld>
@@ -4147,7 +4601,7 @@
           <a:p>
             <a:r>
               <a:rPr lang="en-US" dirty="0" smtClean="0"/>
-              <a:t>Loss</a:t>
+              <a:t>Hands on time</a:t>
             </a:r>
             <a:endParaRPr lang="en-US" dirty="0"/>
           </a:p>
@@ -4163,62 +4617,60 @@
             <p:ph idx="1"/>
           </p:nvPr>
         </p:nvSpPr>
-        <p:spPr>
-          <a:xfrm>
-            <a:off x="1097280" y="1845734"/>
-            <a:ext cx="4865370" cy="4023360"/>
-          </a:xfrm>
-        </p:spPr>
-        <p:txBody>
-          <a:bodyPr>
-            <a:normAutofit/>
-          </a:bodyPr>
-          <a:lstStyle/>
-          <a:p>
-            <a:r>
-              <a:rPr lang="en-US" sz="4000" dirty="0" smtClean="0"/>
-              <a:t>The paper </a:t>
-            </a:r>
-            <a:r>
-              <a:rPr lang="en-US" sz="4000" dirty="0"/>
-              <a:t>uses </a:t>
-            </a:r>
-            <a:r>
-              <a:rPr lang="en-US" sz="4000" dirty="0" err="1"/>
-              <a:t>binary_crossentropy</a:t>
-            </a:r>
-            <a:endParaRPr lang="en-US" sz="4000" dirty="0"/>
+        <p:spPr/>
+        <p:txBody>
+          <a:bodyPr/>
+          <a:lstStyle/>
+          <a:p>
+            <a:endParaRPr lang="en-US"/>
           </a:p>
         </p:txBody>
       </p:sp>
       <p:pic>
         <p:nvPicPr>
-          <p:cNvPr id="5" name="Picture 4"/>
+          <p:cNvPr id="1026" name="Picture 2" descr="JAZZ HANDS Cat cat small to medium sized cats cat like mammal whiskers"/>
           <p:cNvPicPr>
-            <a:picLocks noChangeAspect="1"/>
+            <a:picLocks noChangeAspect="1" noChangeArrowheads="1"/>
           </p:cNvPicPr>
           <p:nvPr/>
         </p:nvPicPr>
         <p:blipFill>
-          <a:blip r:embed="rId2"/>
+          <a:blip r:embed="rId2">
+            <a:extLst>
+              <a:ext uri="{28A0092B-C50C-407E-A947-70E740481C1C}">
+                <a14:useLocalDpi xmlns:a14="http://schemas.microsoft.com/office/drawing/2010/main" val="0"/>
+              </a:ext>
+            </a:extLst>
+          </a:blip>
+          <a:srcRect/>
           <a:stretch>
             <a:fillRect/>
           </a:stretch>
         </p:blipFill>
-        <p:spPr>
-          <a:xfrm>
-            <a:off x="5516880" y="1509501"/>
-            <a:ext cx="6381750" cy="4695825"/>
+        <p:spPr bwMode="auto">
+          <a:xfrm>
+            <a:off x="4643717" y="1737360"/>
+            <a:ext cx="3409763" cy="4439796"/>
           </a:xfrm>
           <a:prstGeom prst="rect">
             <a:avLst/>
           </a:prstGeom>
+          <a:noFill/>
+          <a:extLst>
+            <a:ext uri="{909E8E84-426E-40DD-AFC4-6F175D3DCCD1}">
+              <a14:hiddenFill xmlns:a14="http://schemas.microsoft.com/office/drawing/2010/main">
+                <a:solidFill>
+                  <a:srgbClr val="FFFFFF"/>
+                </a:solidFill>
+              </a14:hiddenFill>
+            </a:ext>
+          </a:extLst>
         </p:spPr>
       </p:pic>
     </p:spTree>
     <p:extLst>
       <p:ext uri="{BB962C8B-B14F-4D97-AF65-F5344CB8AC3E}">
-        <p14:creationId xmlns:p14="http://schemas.microsoft.com/office/powerpoint/2010/main" val="1264499104"/>
+        <p14:creationId xmlns:p14="http://schemas.microsoft.com/office/powerpoint/2010/main" val="2642274662"/>
       </p:ext>
     </p:extLst>
   </p:cSld>
@@ -4262,7 +4714,7 @@
           <a:p>
             <a:r>
               <a:rPr lang="en-US" dirty="0" smtClean="0"/>
-              <a:t>Embedding layers</a:t>
+              <a:t>Loss</a:t>
             </a:r>
             <a:endParaRPr lang="en-US" dirty="0"/>
           </a:p>
@@ -4278,7 +4730,12 @@
             <p:ph idx="1"/>
           </p:nvPr>
         </p:nvSpPr>
-        <p:spPr/>
+        <p:spPr>
+          <a:xfrm>
+            <a:off x="1097280" y="1845734"/>
+            <a:ext cx="4865370" cy="4023360"/>
+          </a:xfrm>
+        </p:spPr>
         <p:txBody>
           <a:bodyPr>
             <a:normAutofit/>
@@ -4286,109 +4743,49 @@
           <a:lstStyle/>
           <a:p>
             <a:r>
-              <a:rPr lang="en-US" sz="2800" b="1" dirty="0" err="1" smtClean="0"/>
-              <a:t>keras.layers.Embedding</a:t>
-            </a:r>
-            <a:endParaRPr lang="en-US" sz="2800" b="1" dirty="0" smtClean="0"/>
-          </a:p>
-          <a:p>
-            <a:pPr lvl="1"/>
-            <a:r>
-              <a:rPr lang="en-US" sz="2600" dirty="0" err="1" smtClean="0"/>
-              <a:t>input_dim</a:t>
-            </a:r>
-            <a:r>
-              <a:rPr lang="en-US" sz="2600" dirty="0" smtClean="0"/>
-              <a:t>: number of object @ input</a:t>
-            </a:r>
-          </a:p>
-          <a:p>
-            <a:pPr lvl="1"/>
-            <a:r>
-              <a:rPr lang="en-US" sz="2600" dirty="0" err="1" smtClean="0"/>
-              <a:t>output_dim</a:t>
-            </a:r>
-            <a:r>
-              <a:rPr lang="en-US" sz="2600" dirty="0" smtClean="0"/>
-              <a:t>: size of embedding (size of new feature space)</a:t>
-            </a:r>
-            <a:endParaRPr lang="en-US" sz="2800" dirty="0"/>
+              <a:rPr lang="en-US" sz="4000" dirty="0" smtClean="0"/>
+              <a:t>The paper </a:t>
+            </a:r>
+            <a:r>
+              <a:rPr lang="en-US" sz="4000" dirty="0"/>
+              <a:t>uses </a:t>
+            </a:r>
+            <a:r>
+              <a:rPr lang="en-US" sz="4000" dirty="0" err="1"/>
+              <a:t>binary_crossentropy</a:t>
+            </a:r>
+            <a:endParaRPr lang="en-US" sz="4000" dirty="0"/>
           </a:p>
         </p:txBody>
       </p:sp>
       <p:pic>
         <p:nvPicPr>
-          <p:cNvPr id="2051" name="Picture 3" descr="Image result for embedding layer"/>
+          <p:cNvPr id="5" name="Picture 4"/>
           <p:cNvPicPr>
-            <a:picLocks noChangeAspect="1" noChangeArrowheads="1"/>
+            <a:picLocks noChangeAspect="1"/>
           </p:cNvPicPr>
           <p:nvPr/>
         </p:nvPicPr>
-        <p:blipFill rotWithShape="1">
-          <a:blip r:embed="rId2">
-            <a:extLst>
-              <a:ext uri="{28A0092B-C50C-407E-A947-70E740481C1C}">
-                <a14:useLocalDpi xmlns:a14="http://schemas.microsoft.com/office/drawing/2010/main" val="0"/>
-              </a:ext>
-            </a:extLst>
-          </a:blip>
-          <a:srcRect t="18171"/>
-          <a:stretch/>
+        <p:blipFill>
+          <a:blip r:embed="rId2"/>
+          <a:stretch>
+            <a:fillRect/>
+          </a:stretch>
         </p:blipFill>
-        <p:spPr bwMode="auto">
-          <a:xfrm>
-            <a:off x="2765426" y="4019550"/>
-            <a:ext cx="5418676" cy="2230545"/>
+        <p:spPr>
+          <a:xfrm>
+            <a:off x="5516880" y="1509501"/>
+            <a:ext cx="6381750" cy="4695825"/>
           </a:xfrm>
           <a:prstGeom prst="rect">
             <a:avLst/>
           </a:prstGeom>
-          <a:noFill/>
-          <a:extLst>
-            <a:ext uri="{909E8E84-426E-40DD-AFC4-6F175D3DCCD1}">
-              <a14:hiddenFill xmlns:a14="http://schemas.microsoft.com/office/drawing/2010/main">
-                <a:solidFill>
-                  <a:srgbClr val="FFFFFF"/>
-                </a:solidFill>
-              </a14:hiddenFill>
-            </a:ext>
-          </a:extLst>
         </p:spPr>
       </p:pic>
-      <p:sp>
-        <p:nvSpPr>
-          <p:cNvPr id="5" name="TextBox 4"/>
-          <p:cNvSpPr txBox="1"/>
-          <p:nvPr/>
-        </p:nvSpPr>
-        <p:spPr>
-          <a:xfrm>
-            <a:off x="3352800" y="3672748"/>
-            <a:ext cx="616579" cy="369332"/>
-          </a:xfrm>
-          <a:prstGeom prst="rect">
-            <a:avLst/>
-          </a:prstGeom>
-          <a:noFill/>
-        </p:spPr>
-        <p:txBody>
-          <a:bodyPr wrap="none" rtlCol="0">
-            <a:spAutoFit/>
-          </a:bodyPr>
-          <a:lstStyle/>
-          <a:p>
-            <a:r>
-              <a:rPr lang="en-US" dirty="0" smtClean="0"/>
-              <a:t>Item</a:t>
-            </a:r>
-            <a:endParaRPr lang="en-US" dirty="0"/>
-          </a:p>
-        </p:txBody>
-      </p:sp>
     </p:spTree>
     <p:extLst>
       <p:ext uri="{BB962C8B-B14F-4D97-AF65-F5344CB8AC3E}">
-        <p14:creationId xmlns:p14="http://schemas.microsoft.com/office/powerpoint/2010/main" val="2715554688"/>
+        <p14:creationId xmlns:p14="http://schemas.microsoft.com/office/powerpoint/2010/main" val="1264499104"/>
       </p:ext>
     </p:extLst>
   </p:cSld>
@@ -4432,7 +4829,7 @@
           <a:p>
             <a:r>
               <a:rPr lang="en-US" dirty="0" smtClean="0"/>
-              <a:t>Multiply</a:t>
+              <a:t>Embedding layers</a:t>
             </a:r>
             <a:endParaRPr lang="en-US" dirty="0"/>
           </a:p>
@@ -4456,47 +4853,109 @@
           <a:lstStyle/>
           <a:p>
             <a:r>
-              <a:rPr lang="en-US" sz="4000" dirty="0" err="1"/>
-              <a:t>keras.layers.Multiply</a:t>
-            </a:r>
-            <a:r>
-              <a:rPr lang="en-US" sz="4000" dirty="0"/>
-              <a:t>()</a:t>
-            </a:r>
-          </a:p>
-          <a:p>
-            <a:endParaRPr lang="en-US" sz="4000" dirty="0"/>
+              <a:rPr lang="en-US" sz="2800" b="1" dirty="0" err="1" smtClean="0"/>
+              <a:t>keras.layers.Embedding</a:t>
+            </a:r>
+            <a:endParaRPr lang="en-US" sz="2800" b="1" dirty="0" smtClean="0"/>
+          </a:p>
+          <a:p>
+            <a:pPr lvl="1"/>
+            <a:r>
+              <a:rPr lang="en-US" sz="2600" dirty="0" err="1" smtClean="0"/>
+              <a:t>input_dim</a:t>
+            </a:r>
+            <a:r>
+              <a:rPr lang="en-US" sz="2600" dirty="0" smtClean="0"/>
+              <a:t>: number of object @ input</a:t>
+            </a:r>
+          </a:p>
+          <a:p>
+            <a:pPr lvl="1"/>
+            <a:r>
+              <a:rPr lang="en-US" sz="2600" dirty="0" err="1" smtClean="0"/>
+              <a:t>output_dim</a:t>
+            </a:r>
+            <a:r>
+              <a:rPr lang="en-US" sz="2600" dirty="0" smtClean="0"/>
+              <a:t>: size of embedding (size of new feature space)</a:t>
+            </a:r>
+            <a:endParaRPr lang="en-US" sz="2800" dirty="0"/>
           </a:p>
         </p:txBody>
       </p:sp>
       <p:pic>
         <p:nvPicPr>
-          <p:cNvPr id="5" name="Picture 4"/>
+          <p:cNvPr id="2051" name="Picture 3" descr="Image result for embedding layer"/>
           <p:cNvPicPr>
-            <a:picLocks noChangeAspect="1"/>
+            <a:picLocks noChangeAspect="1" noChangeArrowheads="1"/>
           </p:cNvPicPr>
           <p:nvPr/>
         </p:nvPicPr>
-        <p:blipFill>
-          <a:blip r:embed="rId2"/>
-          <a:stretch>
-            <a:fillRect/>
-          </a:stretch>
+        <p:blipFill rotWithShape="1">
+          <a:blip r:embed="rId2">
+            <a:extLst>
+              <a:ext uri="{28A0092B-C50C-407E-A947-70E740481C1C}">
+                <a14:useLocalDpi xmlns:a14="http://schemas.microsoft.com/office/drawing/2010/main" val="0"/>
+              </a:ext>
+            </a:extLst>
+          </a:blip>
+          <a:srcRect t="18171"/>
+          <a:stretch/>
         </p:blipFill>
-        <p:spPr>
-          <a:xfrm>
-            <a:off x="2596318" y="3420979"/>
-            <a:ext cx="8101011" cy="2273968"/>
+        <p:spPr bwMode="auto">
+          <a:xfrm>
+            <a:off x="2765426" y="4019550"/>
+            <a:ext cx="5418676" cy="2230545"/>
           </a:xfrm>
           <a:prstGeom prst="rect">
             <a:avLst/>
           </a:prstGeom>
+          <a:noFill/>
+          <a:extLst>
+            <a:ext uri="{909E8E84-426E-40DD-AFC4-6F175D3DCCD1}">
+              <a14:hiddenFill xmlns:a14="http://schemas.microsoft.com/office/drawing/2010/main">
+                <a:solidFill>
+                  <a:srgbClr val="FFFFFF"/>
+                </a:solidFill>
+              </a14:hiddenFill>
+            </a:ext>
+          </a:extLst>
         </p:spPr>
       </p:pic>
+      <p:sp>
+        <p:nvSpPr>
+          <p:cNvPr id="5" name="TextBox 4"/>
+          <p:cNvSpPr txBox="1"/>
+          <p:nvPr/>
+        </p:nvSpPr>
+        <p:spPr>
+          <a:xfrm>
+            <a:off x="3352800" y="3672748"/>
+            <a:ext cx="616579" cy="369332"/>
+          </a:xfrm>
+          <a:prstGeom prst="rect">
+            <a:avLst/>
+          </a:prstGeom>
+          <a:noFill/>
+        </p:spPr>
+        <p:txBody>
+          <a:bodyPr wrap="none" rtlCol="0">
+            <a:spAutoFit/>
+          </a:bodyPr>
+          <a:lstStyle/>
+          <a:p>
+            <a:r>
+              <a:rPr lang="en-US" dirty="0" smtClean="0"/>
+              <a:t>Item</a:t>
+            </a:r>
+            <a:endParaRPr lang="en-US" dirty="0"/>
+          </a:p>
+        </p:txBody>
+      </p:sp>
     </p:spTree>
     <p:extLst>
       <p:ext uri="{BB962C8B-B14F-4D97-AF65-F5344CB8AC3E}">
-        <p14:creationId xmlns:p14="http://schemas.microsoft.com/office/powerpoint/2010/main" val="2801365517"/>
+        <p14:creationId xmlns:p14="http://schemas.microsoft.com/office/powerpoint/2010/main" val="2715554688"/>
       </p:ext>
     </p:extLst>
   </p:cSld>
@@ -4540,7 +4999,7 @@
           <a:p>
             <a:r>
               <a:rPr lang="en-US" dirty="0" smtClean="0"/>
-              <a:t>Dense</a:t>
+              <a:t>Multiply</a:t>
             </a:r>
             <a:endParaRPr lang="en-US" dirty="0"/>
           </a:p>
@@ -4564,46 +5023,47 @@
           <a:lstStyle/>
           <a:p>
             <a:r>
-              <a:rPr lang="en-US" sz="3600" dirty="0" err="1"/>
-              <a:t>keras.layers.Dense</a:t>
-            </a:r>
-            <a:endParaRPr lang="en-US" sz="3600" dirty="0" smtClean="0"/>
-          </a:p>
-          <a:p>
-            <a:r>
-              <a:rPr lang="en-US" sz="3600" dirty="0" smtClean="0"/>
-              <a:t>Units: size of output space</a:t>
-            </a:r>
-          </a:p>
-          <a:p>
-            <a:r>
-              <a:rPr lang="en-US" sz="3600" dirty="0" smtClean="0"/>
-              <a:t>Activation: activation function (</a:t>
-            </a:r>
-            <a:r>
-              <a:rPr lang="en-US" sz="3600" dirty="0" err="1" smtClean="0"/>
-              <a:t>tanh</a:t>
-            </a:r>
-            <a:r>
-              <a:rPr lang="en-US" sz="3600" dirty="0" smtClean="0"/>
-              <a:t>, </a:t>
-            </a:r>
-            <a:r>
-              <a:rPr lang="en-US" sz="3600" dirty="0" err="1" smtClean="0"/>
-              <a:t>relu</a:t>
-            </a:r>
-            <a:r>
-              <a:rPr lang="en-US" sz="3600" dirty="0" smtClean="0"/>
-              <a:t>, activation, linear etc.)</a:t>
-            </a:r>
-            <a:endParaRPr lang="en-US" sz="3600" dirty="0"/>
-          </a:p>
-        </p:txBody>
-      </p:sp>
+              <a:rPr lang="en-US" sz="4000" dirty="0" err="1"/>
+              <a:t>keras.layers.Multiply</a:t>
+            </a:r>
+            <a:r>
+              <a:rPr lang="en-US" sz="4000" dirty="0"/>
+              <a:t>()</a:t>
+            </a:r>
+          </a:p>
+          <a:p>
+            <a:endParaRPr lang="en-US" sz="4000" dirty="0"/>
+          </a:p>
+        </p:txBody>
+      </p:sp>
+      <p:pic>
+        <p:nvPicPr>
+          <p:cNvPr id="5" name="Picture 4"/>
+          <p:cNvPicPr>
+            <a:picLocks noChangeAspect="1"/>
+          </p:cNvPicPr>
+          <p:nvPr/>
+        </p:nvPicPr>
+        <p:blipFill>
+          <a:blip r:embed="rId2"/>
+          <a:stretch>
+            <a:fillRect/>
+          </a:stretch>
+        </p:blipFill>
+        <p:spPr>
+          <a:xfrm>
+            <a:off x="2596318" y="3420979"/>
+            <a:ext cx="8101011" cy="2273968"/>
+          </a:xfrm>
+          <a:prstGeom prst="rect">
+            <a:avLst/>
+          </a:prstGeom>
+        </p:spPr>
+      </p:pic>
     </p:spTree>
     <p:extLst>
       <p:ext uri="{BB962C8B-B14F-4D97-AF65-F5344CB8AC3E}">
-        <p14:creationId xmlns:p14="http://schemas.microsoft.com/office/powerpoint/2010/main" val="243913501"/>
+        <p14:creationId xmlns:p14="http://schemas.microsoft.com/office/powerpoint/2010/main" val="2801365517"/>
       </p:ext>
     </p:extLst>
   </p:cSld>
@@ -4647,6 +5107,113 @@
           <a:p>
             <a:r>
               <a:rPr lang="en-US" dirty="0" smtClean="0"/>
+              <a:t>Dense</a:t>
+            </a:r>
+            <a:endParaRPr lang="en-US" dirty="0"/>
+          </a:p>
+        </p:txBody>
+      </p:sp>
+      <p:sp>
+        <p:nvSpPr>
+          <p:cNvPr id="3" name="Content Placeholder 2"/>
+          <p:cNvSpPr>
+            <a:spLocks noGrp="1"/>
+          </p:cNvSpPr>
+          <p:nvPr>
+            <p:ph idx="1"/>
+          </p:nvPr>
+        </p:nvSpPr>
+        <p:spPr/>
+        <p:txBody>
+          <a:bodyPr>
+            <a:normAutofit/>
+          </a:bodyPr>
+          <a:lstStyle/>
+          <a:p>
+            <a:r>
+              <a:rPr lang="en-US" sz="3600" dirty="0" err="1"/>
+              <a:t>keras.layers.Dense</a:t>
+            </a:r>
+            <a:endParaRPr lang="en-US" sz="3600" dirty="0" smtClean="0"/>
+          </a:p>
+          <a:p>
+            <a:r>
+              <a:rPr lang="en-US" sz="3600" dirty="0" smtClean="0"/>
+              <a:t>Units: size of output space</a:t>
+            </a:r>
+          </a:p>
+          <a:p>
+            <a:r>
+              <a:rPr lang="en-US" sz="3600" dirty="0" smtClean="0"/>
+              <a:t>Activation: activation function (</a:t>
+            </a:r>
+            <a:r>
+              <a:rPr lang="en-US" sz="3600" dirty="0" err="1" smtClean="0"/>
+              <a:t>tanh</a:t>
+            </a:r>
+            <a:r>
+              <a:rPr lang="en-US" sz="3600" dirty="0" smtClean="0"/>
+              <a:t>, </a:t>
+            </a:r>
+            <a:r>
+              <a:rPr lang="en-US" sz="3600" dirty="0" err="1" smtClean="0"/>
+              <a:t>relu</a:t>
+            </a:r>
+            <a:r>
+              <a:rPr lang="en-US" sz="3600" dirty="0" smtClean="0"/>
+              <a:t>, activation, linear etc.)</a:t>
+            </a:r>
+            <a:endParaRPr lang="en-US" sz="3600" dirty="0"/>
+          </a:p>
+        </p:txBody>
+      </p:sp>
+    </p:spTree>
+    <p:extLst>
+      <p:ext uri="{BB962C8B-B14F-4D97-AF65-F5344CB8AC3E}">
+        <p14:creationId xmlns:p14="http://schemas.microsoft.com/office/powerpoint/2010/main" val="243913501"/>
+      </p:ext>
+    </p:extLst>
+  </p:cSld>
+  <p:clrMapOvr>
+    <a:masterClrMapping/>
+  </p:clrMapOvr>
+</p:sld>
+</file>
+
+<file path=ppt/slides/slide17.xml><?xml version="1.0" encoding="utf-8"?>
+<p:sld xmlns:a="http://schemas.openxmlformats.org/drawingml/2006/main" xmlns:r="http://schemas.openxmlformats.org/officeDocument/2006/relationships" xmlns:p="http://schemas.openxmlformats.org/presentationml/2006/main">
+  <p:cSld>
+    <p:spTree>
+      <p:nvGrpSpPr>
+        <p:cNvPr id="1" name=""/>
+        <p:cNvGrpSpPr/>
+        <p:nvPr/>
+      </p:nvGrpSpPr>
+      <p:grpSpPr>
+        <a:xfrm>
+          <a:off x="0" y="0"/>
+          <a:ext cx="0" cy="0"/>
+          <a:chOff x="0" y="0"/>
+          <a:chExt cx="0" cy="0"/>
+        </a:xfrm>
+      </p:grpSpPr>
+      <p:sp>
+        <p:nvSpPr>
+          <p:cNvPr id="2" name="Title 1"/>
+          <p:cNvSpPr>
+            <a:spLocks noGrp="1"/>
+          </p:cNvSpPr>
+          <p:nvPr>
+            <p:ph type="title"/>
+          </p:nvPr>
+        </p:nvSpPr>
+        <p:spPr/>
+        <p:txBody>
+          <a:bodyPr/>
+          <a:lstStyle/>
+          <a:p>
+            <a:r>
+              <a:rPr lang="en-US" dirty="0" smtClean="0"/>
               <a:t>Input and outputs</a:t>
             </a:r>
             <a:endParaRPr lang="en-US" dirty="0"/>
@@ -4723,7 +5290,7 @@
 </p:sld>
 </file>
 
-<file path=ppt/slides/slide17.xml><?xml version="1.0" encoding="utf-8"?>
+<file path=ppt/slides/slide18.xml><?xml version="1.0" encoding="utf-8"?>
 <p:sld xmlns:a="http://schemas.openxmlformats.org/drawingml/2006/main" xmlns:r="http://schemas.openxmlformats.org/officeDocument/2006/relationships" xmlns:p="http://schemas.openxmlformats.org/presentationml/2006/main">
   <p:cSld>
     <p:spTree>
@@ -5182,21 +5749,29 @@
             <a:pPr lvl="1"/>
             <a:r>
               <a:rPr lang="en-US" sz="3000" dirty="0" smtClean="0"/>
-              <a:t>Singular value decomposition (SVD)</a:t>
+              <a:t>Matrix Factorization</a:t>
             </a:r>
           </a:p>
           <a:p>
             <a:pPr lvl="1"/>
             <a:r>
               <a:rPr lang="en-US" sz="3000" dirty="0" smtClean="0"/>
-              <a:t>Principal Component analysis (PCA)</a:t>
+              <a:t>Singular </a:t>
+            </a:r>
+            <a:r>
+              <a:rPr lang="en-US" sz="3000" dirty="0" smtClean="0"/>
+              <a:t>value decomposition (SVD)</a:t>
             </a:r>
           </a:p>
           <a:p>
             <a:pPr lvl="1"/>
             <a:r>
               <a:rPr lang="en-US" sz="3000" dirty="0" smtClean="0"/>
-              <a:t>Very similar concepts</a:t>
+              <a:t>Similar </a:t>
+            </a:r>
+            <a:r>
+              <a:rPr lang="en-US" sz="3000" dirty="0" smtClean="0"/>
+              <a:t>concepts</a:t>
             </a:r>
           </a:p>
           <a:p>
@@ -5240,8 +5815,8 @@
         </p:blipFill>
         <p:spPr bwMode="auto">
           <a:xfrm>
-            <a:off x="6663055" y="2071322"/>
-            <a:ext cx="5305425" cy="3219451"/>
+            <a:off x="6326994" y="3102186"/>
+            <a:ext cx="4653621" cy="2823922"/>
           </a:xfrm>
           <a:prstGeom prst="rect">
             <a:avLst/>
@@ -5256,6 +5831,30 @@
               </a14:hiddenFill>
             </a:ext>
           </a:extLst>
+        </p:spPr>
+      </p:pic>
+      <p:pic>
+        <p:nvPicPr>
+          <p:cNvPr id="4" name="Picture 3"/>
+          <p:cNvPicPr>
+            <a:picLocks noChangeAspect="1"/>
+          </p:cNvPicPr>
+          <p:nvPr/>
+        </p:nvPicPr>
+        <p:blipFill>
+          <a:blip r:embed="rId3"/>
+          <a:stretch>
+            <a:fillRect/>
+          </a:stretch>
+        </p:blipFill>
+        <p:spPr>
+          <a:xfrm>
+            <a:off x="4976935" y="2092960"/>
+            <a:ext cx="6896100" cy="762000"/>
+          </a:xfrm>
+          <a:prstGeom prst="rect">
+            <a:avLst/>
+          </a:prstGeom>
         </p:spPr>
       </p:pic>
     </p:spTree>
@@ -5955,7 +6554,11 @@
           <a:p>
             <a:r>
               <a:rPr lang="en-US" dirty="0" smtClean="0"/>
-              <a:t>SVD like linear transformation</a:t>
+              <a:t>MF </a:t>
+            </a:r>
+            <a:r>
+              <a:rPr lang="en-US" dirty="0" smtClean="0"/>
+              <a:t>like linear transformation</a:t>
             </a:r>
             <a:endParaRPr lang="en-US" dirty="0"/>
           </a:p>
@@ -6266,53 +6869,128 @@
           <a:p>
             <a:r>
               <a:rPr lang="en-US" dirty="0" smtClean="0"/>
-              <a:t>Expected results – </a:t>
-            </a:r>
-            <a:r>
-              <a:rPr lang="en-US" dirty="0" err="1" smtClean="0"/>
+              <a:t>Evaluation</a:t>
+            </a:r>
+            <a:endParaRPr lang="en-US" dirty="0"/>
+          </a:p>
+        </p:txBody>
+      </p:sp>
+      <p:sp>
+        <p:nvSpPr>
+          <p:cNvPr id="3" name="Content Placeholder 2"/>
+          <p:cNvSpPr>
+            <a:spLocks noGrp="1"/>
+          </p:cNvSpPr>
+          <p:nvPr>
+            <p:ph idx="1"/>
+          </p:nvPr>
+        </p:nvSpPr>
+        <p:spPr/>
+        <p:txBody>
+          <a:bodyPr>
+            <a:normAutofit/>
+          </a:bodyPr>
+          <a:lstStyle/>
+          <a:p>
+            <a:r>
+              <a:rPr lang="en-US" sz="3600" b="1" dirty="0" smtClean="0"/>
+              <a:t>Dataset</a:t>
+            </a:r>
+            <a:r>
+              <a:rPr lang="en-US" sz="3600" dirty="0" smtClean="0"/>
+              <a:t>: </a:t>
+            </a:r>
+            <a:r>
+              <a:rPr lang="en-US" sz="3600" dirty="0" smtClean="0">
+                <a:hlinkClick r:id="rId3"/>
+              </a:rPr>
               <a:t>MovieLens</a:t>
             </a:r>
-            <a:endParaRPr lang="en-US" dirty="0"/>
-          </a:p>
-        </p:txBody>
-      </p:sp>
-      <p:sp>
-        <p:nvSpPr>
-          <p:cNvPr id="3" name="Content Placeholder 2"/>
-          <p:cNvSpPr>
-            <a:spLocks noGrp="1"/>
-          </p:cNvSpPr>
-          <p:nvPr>
-            <p:ph idx="1"/>
-          </p:nvPr>
-        </p:nvSpPr>
-        <p:spPr/>
-        <p:txBody>
-          <a:bodyPr/>
-          <a:lstStyle/>
-          <a:p>
-            <a:endParaRPr lang="en-US"/>
+            <a:r>
+              <a:rPr lang="en-US" sz="3600" dirty="0" smtClean="0"/>
+              <a:t>. ~1M interactions, ~6K </a:t>
+            </a:r>
+            <a:r>
+              <a:rPr lang="en-US" sz="3600" dirty="0"/>
+              <a:t>u</a:t>
+            </a:r>
+            <a:r>
+              <a:rPr lang="en-US" sz="3600" dirty="0" smtClean="0"/>
+              <a:t>sers ~3.7K items, ~95.5% sparse</a:t>
+            </a:r>
+          </a:p>
+          <a:p>
+            <a:r>
+              <a:rPr lang="en-US" sz="3600" b="1" dirty="0" smtClean="0"/>
+              <a:t>Metrics:</a:t>
+            </a:r>
+            <a:r>
+              <a:rPr lang="en-US" sz="3600" dirty="0" smtClean="0"/>
+              <a:t> using leave one out per user: </a:t>
+            </a:r>
+          </a:p>
+          <a:p>
+            <a:pPr lvl="1"/>
+            <a:r>
+              <a:rPr lang="en-US" sz="3400" dirty="0" smtClean="0"/>
+              <a:t>Hit@10: </a:t>
+            </a:r>
+            <a:r>
+              <a:rPr lang="en-US" sz="3400" dirty="0"/>
+              <a:t>intuitively measures </a:t>
+            </a:r>
+            <a:r>
+              <a:rPr lang="en-US" sz="3400" dirty="0" smtClean="0"/>
+              <a:t>whether the </a:t>
+            </a:r>
+            <a:r>
+              <a:rPr lang="en-US" sz="3400" dirty="0"/>
+              <a:t>test item is present on the top-10 </a:t>
+            </a:r>
+            <a:r>
+              <a:rPr lang="en-US" sz="3400" dirty="0" smtClean="0"/>
+              <a:t>list</a:t>
+            </a:r>
+          </a:p>
+          <a:p>
+            <a:pPr lvl="1"/>
+            <a:r>
+              <a:rPr lang="en-US" sz="3400" dirty="0"/>
+              <a:t>NDCG: accounts for the position of the hit by assigning higher </a:t>
+            </a:r>
+            <a:r>
+              <a:rPr lang="en-US" sz="3400" dirty="0" smtClean="0"/>
+              <a:t>scores to </a:t>
+            </a:r>
+            <a:r>
+              <a:rPr lang="en-US" sz="3400" dirty="0"/>
+              <a:t>hits at top </a:t>
+            </a:r>
+            <a:r>
+              <a:rPr lang="en-US" sz="3400" dirty="0" smtClean="0"/>
+              <a:t>ranks</a:t>
+            </a:r>
+            <a:endParaRPr lang="en-US" sz="3400" dirty="0"/>
           </a:p>
         </p:txBody>
       </p:sp>
       <p:pic>
         <p:nvPicPr>
-          <p:cNvPr id="5" name="Picture 4"/>
+          <p:cNvPr id="4" name="Picture 3"/>
           <p:cNvPicPr>
             <a:picLocks noChangeAspect="1"/>
           </p:cNvPicPr>
           <p:nvPr/>
         </p:nvPicPr>
-        <p:blipFill>
-          <a:blip r:embed="rId2"/>
-          <a:stretch>
-            <a:fillRect/>
-          </a:stretch>
+        <p:blipFill rotWithShape="1">
+          <a:blip r:embed="rId4"/>
+          <a:srcRect b="37713"/>
+          <a:stretch/>
         </p:blipFill>
         <p:spPr>
           <a:xfrm>
-            <a:off x="2220686" y="1886299"/>
-            <a:ext cx="8077200" cy="3924300"/>
+            <a:off x="6697980" y="286603"/>
+            <a:ext cx="5153025" cy="1328967"/>
           </a:xfrm>
           <a:prstGeom prst="rect">
             <a:avLst/>
@@ -6322,7 +7000,7 @@
     </p:spTree>
     <p:extLst>
       <p:ext uri="{BB962C8B-B14F-4D97-AF65-F5344CB8AC3E}">
-        <p14:creationId xmlns:p14="http://schemas.microsoft.com/office/powerpoint/2010/main" val="3618225978"/>
+        <p14:creationId xmlns:p14="http://schemas.microsoft.com/office/powerpoint/2010/main" val="3910341197"/>
       </p:ext>
     </p:extLst>
   </p:cSld>
@@ -6366,6 +7044,102 @@
           <a:p>
             <a:r>
               <a:rPr lang="en-US" dirty="0" smtClean="0"/>
+              <a:t>Expected results – MovieLens</a:t>
+            </a:r>
+            <a:endParaRPr lang="en-US" dirty="0"/>
+          </a:p>
+        </p:txBody>
+      </p:sp>
+      <p:sp>
+        <p:nvSpPr>
+          <p:cNvPr id="3" name="Content Placeholder 2"/>
+          <p:cNvSpPr>
+            <a:spLocks noGrp="1"/>
+          </p:cNvSpPr>
+          <p:nvPr>
+            <p:ph idx="1"/>
+          </p:nvPr>
+        </p:nvSpPr>
+        <p:spPr/>
+        <p:txBody>
+          <a:bodyPr/>
+          <a:lstStyle/>
+          <a:p>
+            <a:endParaRPr lang="en-US"/>
+          </a:p>
+        </p:txBody>
+      </p:sp>
+      <p:pic>
+        <p:nvPicPr>
+          <p:cNvPr id="5" name="Picture 4"/>
+          <p:cNvPicPr>
+            <a:picLocks noChangeAspect="1"/>
+          </p:cNvPicPr>
+          <p:nvPr/>
+        </p:nvPicPr>
+        <p:blipFill>
+          <a:blip r:embed="rId2"/>
+          <a:stretch>
+            <a:fillRect/>
+          </a:stretch>
+        </p:blipFill>
+        <p:spPr>
+          <a:xfrm>
+            <a:off x="2220686" y="1886299"/>
+            <a:ext cx="8077200" cy="3924300"/>
+          </a:xfrm>
+          <a:prstGeom prst="rect">
+            <a:avLst/>
+          </a:prstGeom>
+        </p:spPr>
+      </p:pic>
+    </p:spTree>
+    <p:extLst>
+      <p:ext uri="{BB962C8B-B14F-4D97-AF65-F5344CB8AC3E}">
+        <p14:creationId xmlns:p14="http://schemas.microsoft.com/office/powerpoint/2010/main" val="3618225978"/>
+      </p:ext>
+    </p:extLst>
+  </p:cSld>
+  <p:clrMapOvr>
+    <a:masterClrMapping/>
+  </p:clrMapOvr>
+</p:sld>
+</file>
+
+<file path=ppt/slides/slide9.xml><?xml version="1.0" encoding="utf-8"?>
+<p:sld xmlns:a="http://schemas.openxmlformats.org/drawingml/2006/main" xmlns:r="http://schemas.openxmlformats.org/officeDocument/2006/relationships" xmlns:p="http://schemas.openxmlformats.org/presentationml/2006/main">
+  <p:cSld>
+    <p:spTree>
+      <p:nvGrpSpPr>
+        <p:cNvPr id="1" name=""/>
+        <p:cNvGrpSpPr/>
+        <p:nvPr/>
+      </p:nvGrpSpPr>
+      <p:grpSpPr>
+        <a:xfrm>
+          <a:off x="0" y="0"/>
+          <a:ext cx="0" cy="0"/>
+          <a:chOff x="0" y="0"/>
+          <a:chExt cx="0" cy="0"/>
+        </a:xfrm>
+      </p:grpSpPr>
+      <p:sp>
+        <p:nvSpPr>
+          <p:cNvPr id="2" name="Title 1"/>
+          <p:cNvSpPr>
+            <a:spLocks noGrp="1"/>
+          </p:cNvSpPr>
+          <p:nvPr>
+            <p:ph type="title"/>
+          </p:nvPr>
+        </p:nvSpPr>
+        <p:spPr/>
+        <p:txBody>
+          <a:bodyPr/>
+          <a:lstStyle/>
+          <a:p>
+            <a:r>
+              <a:rPr lang="en-US" dirty="0" smtClean="0"/>
               <a:t>Other concerns (or </a:t>
             </a:r>
             <a:r>
@@ -6513,135 +7287,6 @@
   <p:clrMapOvr>
     <a:masterClrMapping/>
   </p:clrMapOvr>
-</p:sld>
-</file>
-
-<file path=ppt/slides/slide9.xml><?xml version="1.0" encoding="utf-8"?>
-<p:sld xmlns:a="http://schemas.openxmlformats.org/drawingml/2006/main" xmlns:r="http://schemas.openxmlformats.org/officeDocument/2006/relationships" xmlns:p="http://schemas.openxmlformats.org/presentationml/2006/main" show="0">
-  <p:cSld>
-    <p:spTree>
-      <p:nvGrpSpPr>
-        <p:cNvPr id="1" name=""/>
-        <p:cNvGrpSpPr/>
-        <p:nvPr/>
-      </p:nvGrpSpPr>
-      <p:grpSpPr>
-        <a:xfrm>
-          <a:off x="0" y="0"/>
-          <a:ext cx="0" cy="0"/>
-          <a:chOff x="0" y="0"/>
-          <a:chExt cx="0" cy="0"/>
-        </a:xfrm>
-      </p:grpSpPr>
-      <p:sp>
-        <p:nvSpPr>
-          <p:cNvPr id="2" name="Title 1"/>
-          <p:cNvSpPr>
-            <a:spLocks noGrp="1"/>
-          </p:cNvSpPr>
-          <p:nvPr>
-            <p:ph type="title"/>
-          </p:nvPr>
-        </p:nvSpPr>
-        <p:spPr/>
-        <p:txBody>
-          <a:bodyPr/>
-          <a:lstStyle/>
-          <a:p>
-            <a:r>
-              <a:rPr lang="en-US" dirty="0" err="1" smtClean="0"/>
-              <a:t>ReLU</a:t>
-            </a:r>
-            <a:r>
-              <a:rPr lang="en-US" dirty="0" smtClean="0"/>
-              <a:t> vs Sigmoid vs </a:t>
-            </a:r>
-            <a:r>
-              <a:rPr lang="en-US" dirty="0" err="1" smtClean="0"/>
-              <a:t>TanH</a:t>
-            </a:r>
-            <a:endParaRPr lang="en-US" dirty="0"/>
-          </a:p>
-        </p:txBody>
-      </p:sp>
-      <p:sp>
-        <p:nvSpPr>
-          <p:cNvPr id="3" name="Content Placeholder 2"/>
-          <p:cNvSpPr>
-            <a:spLocks noGrp="1"/>
-          </p:cNvSpPr>
-          <p:nvPr>
-            <p:ph idx="1"/>
-          </p:nvPr>
-        </p:nvSpPr>
-        <p:spPr/>
-        <p:txBody>
-          <a:bodyPr/>
-          <a:lstStyle/>
-          <a:p>
-            <a:endParaRPr lang="en-US" dirty="0"/>
-          </a:p>
-        </p:txBody>
-      </p:sp>
-      <p:pic>
-        <p:nvPicPr>
-          <p:cNvPr id="6146" name="Picture 2" descr="Image result for relu vs tanh vs sigmoid"/>
-          <p:cNvPicPr>
-            <a:picLocks noChangeAspect="1" noChangeArrowheads="1"/>
-          </p:cNvPicPr>
-          <p:nvPr/>
-        </p:nvPicPr>
-        <p:blipFill>
-          <a:blip r:embed="rId2">
-            <a:extLst>
-              <a:ext uri="{28A0092B-C50C-407E-A947-70E740481C1C}">
-                <a14:useLocalDpi xmlns:a14="http://schemas.microsoft.com/office/drawing/2010/main" val="0"/>
-              </a:ext>
-            </a:extLst>
-          </a:blip>
-          <a:srcRect/>
-          <a:stretch>
-            <a:fillRect/>
-          </a:stretch>
-        </p:blipFill>
-        <p:spPr bwMode="auto">
-          <a:xfrm>
-            <a:off x="158390" y="1893860"/>
-            <a:ext cx="11937357" cy="3491470"/>
-          </a:xfrm>
-          <a:prstGeom prst="rect">
-            <a:avLst/>
-          </a:prstGeom>
-          <a:noFill/>
-          <a:extLst>
-            <a:ext uri="{909E8E84-426E-40DD-AFC4-6F175D3DCCD1}">
-              <a14:hiddenFill xmlns:a14="http://schemas.microsoft.com/office/drawing/2010/main">
-                <a:solidFill>
-                  <a:srgbClr val="FFFFFF"/>
-                </a:solidFill>
-              </a14:hiddenFill>
-            </a:ext>
-          </a:extLst>
-        </p:spPr>
-      </p:pic>
-    </p:spTree>
-    <p:extLst>
-      <p:ext uri="{BB962C8B-B14F-4D97-AF65-F5344CB8AC3E}">
-        <p14:creationId xmlns:p14="http://schemas.microsoft.com/office/powerpoint/2010/main" val="1809559016"/>
-      </p:ext>
-    </p:extLst>
-  </p:cSld>
-  <p:clrMapOvr>
-    <a:masterClrMapping/>
-  </p:clrMapOvr>
-  <mc:AlternateContent xmlns:mc="http://schemas.openxmlformats.org/markup-compatibility/2006">
-    <mc:Choice xmlns:p14="http://schemas.microsoft.com/office/powerpoint/2010/main" Requires="p14">
-      <p:transition spd="slow" p14:dur="2000"/>
-    </mc:Choice>
-    <mc:Fallback>
-      <p:transition spd="slow"/>
-    </mc:Fallback>
-  </mc:AlternateContent>
 </p:sld>
 </file>
 
@@ -6926,4 +7571,265 @@
     </a:ext>
   </a:extLst>
 </a:theme>
+</file>
+
+<file path=ppt/theme/theme2.xml><?xml version="1.0" encoding="utf-8"?>
+<a:theme xmlns:a="http://schemas.openxmlformats.org/drawingml/2006/main" name="Office Theme">
+  <a:themeElements>
+    <a:clrScheme name="Office">
+      <a:dk1>
+        <a:sysClr val="windowText" lastClr="000000"/>
+      </a:dk1>
+      <a:lt1>
+        <a:sysClr val="window" lastClr="FFFFFF"/>
+      </a:lt1>
+      <a:dk2>
+        <a:srgbClr val="44546A"/>
+      </a:dk2>
+      <a:lt2>
+        <a:srgbClr val="E7E6E6"/>
+      </a:lt2>
+      <a:accent1>
+        <a:srgbClr val="5B9BD5"/>
+      </a:accent1>
+      <a:accent2>
+        <a:srgbClr val="ED7D31"/>
+      </a:accent2>
+      <a:accent3>
+        <a:srgbClr val="A5A5A5"/>
+      </a:accent3>
+      <a:accent4>
+        <a:srgbClr val="FFC000"/>
+      </a:accent4>
+      <a:accent5>
+        <a:srgbClr val="4472C4"/>
+      </a:accent5>
+      <a:accent6>
+        <a:srgbClr val="70AD47"/>
+      </a:accent6>
+      <a:hlink>
+        <a:srgbClr val="0563C1"/>
+      </a:hlink>
+      <a:folHlink>
+        <a:srgbClr val="954F72"/>
+      </a:folHlink>
+    </a:clrScheme>
+    <a:fontScheme name="Office">
+      <a:majorFont>
+        <a:latin typeface="Calibri Light" panose="020F0302020204030204"/>
+        <a:ea typeface=""/>
+        <a:cs typeface=""/>
+        <a:font script="Jpan" typeface="游ゴシック Light"/>
+        <a:font script="Hang" typeface="맑은 고딕"/>
+        <a:font script="Hans" typeface="等线 Light"/>
+        <a:font script="Hant" typeface="新細明體"/>
+        <a:font script="Arab" typeface="Times New Roman"/>
+        <a:font script="Hebr" typeface="Times New Roman"/>
+        <a:font script="Thai" typeface="Angsana New"/>
+        <a:font script="Ethi" typeface="Nyala"/>
+        <a:font script="Beng" typeface="Vrinda"/>
+        <a:font script="Gujr" typeface="Shruti"/>
+        <a:font script="Khmr" typeface="MoolBoran"/>
+        <a:font script="Knda" typeface="Tunga"/>
+        <a:font script="Guru" typeface="Raavi"/>
+        <a:font script="Cans" typeface="Euphemia"/>
+        <a:font script="Cher" typeface="Plantagenet Cherokee"/>
+        <a:font script="Yiii" typeface="Microsoft Yi Baiti"/>
+        <a:font script="Tibt" typeface="Microsoft Himalaya"/>
+        <a:font script="Thaa" typeface="MV Boli"/>
+        <a:font script="Deva" typeface="Mangal"/>
+        <a:font script="Telu" typeface="Gautami"/>
+        <a:font script="Taml" typeface="Latha"/>
+        <a:font script="Syrc" typeface="Estrangelo Edessa"/>
+        <a:font script="Orya" typeface="Kalinga"/>
+        <a:font script="Mlym" typeface="Kartika"/>
+        <a:font script="Laoo" typeface="DokChampa"/>
+        <a:font script="Sinh" typeface="Iskoola Pota"/>
+        <a:font script="Mong" typeface="Mongolian Baiti"/>
+        <a:font script="Viet" typeface="Times New Roman"/>
+        <a:font script="Uigh" typeface="Microsoft Uighur"/>
+        <a:font script="Geor" typeface="Sylfaen"/>
+      </a:majorFont>
+      <a:minorFont>
+        <a:latin typeface="Calibri" panose="020F0502020204030204"/>
+        <a:ea typeface=""/>
+        <a:cs typeface=""/>
+        <a:font script="Jpan" typeface="游ゴシック"/>
+        <a:font script="Hang" typeface="맑은 고딕"/>
+        <a:font script="Hans" typeface="等线"/>
+        <a:font script="Hant" typeface="新細明體"/>
+        <a:font script="Arab" typeface="Arial"/>
+        <a:font script="Hebr" typeface="Arial"/>
+        <a:font script="Thai" typeface="Cordia New"/>
+        <a:font script="Ethi" typeface="Nyala"/>
+        <a:font script="Beng" typeface="Vrinda"/>
+        <a:font script="Gujr" typeface="Shruti"/>
+        <a:font script="Khmr" typeface="DaunPenh"/>
+        <a:font script="Knda" typeface="Tunga"/>
+        <a:font script="Guru" typeface="Raavi"/>
+        <a:font script="Cans" typeface="Euphemia"/>
+        <a:font script="Cher" typeface="Plantagenet Cherokee"/>
+        <a:font script="Yiii" typeface="Microsoft Yi Baiti"/>
+        <a:font script="Tibt" typeface="Microsoft Himalaya"/>
+        <a:font script="Thaa" typeface="MV Boli"/>
+        <a:font script="Deva" typeface="Mangal"/>
+        <a:font script="Telu" typeface="Gautami"/>
+        <a:font script="Taml" typeface="Latha"/>
+        <a:font script="Syrc" typeface="Estrangelo Edessa"/>
+        <a:font script="Orya" typeface="Kalinga"/>
+        <a:font script="Mlym" typeface="Kartika"/>
+        <a:font script="Laoo" typeface="DokChampa"/>
+        <a:font script="Sinh" typeface="Iskoola Pota"/>
+        <a:font script="Mong" typeface="Mongolian Baiti"/>
+        <a:font script="Viet" typeface="Arial"/>
+        <a:font script="Uigh" typeface="Microsoft Uighur"/>
+        <a:font script="Geor" typeface="Sylfaen"/>
+      </a:minorFont>
+    </a:fontScheme>
+    <a:fmtScheme name="Office">
+      <a:fillStyleLst>
+        <a:solidFill>
+          <a:schemeClr val="phClr"/>
+        </a:solidFill>
+        <a:gradFill rotWithShape="1">
+          <a:gsLst>
+            <a:gs pos="0">
+              <a:schemeClr val="phClr">
+                <a:lumMod val="110000"/>
+                <a:satMod val="105000"/>
+                <a:tint val="67000"/>
+              </a:schemeClr>
+            </a:gs>
+            <a:gs pos="50000">
+              <a:schemeClr val="phClr">
+                <a:lumMod val="105000"/>
+                <a:satMod val="103000"/>
+                <a:tint val="73000"/>
+              </a:schemeClr>
+            </a:gs>
+            <a:gs pos="100000">
+              <a:schemeClr val="phClr">
+                <a:lumMod val="105000"/>
+                <a:satMod val="109000"/>
+                <a:tint val="81000"/>
+              </a:schemeClr>
+            </a:gs>
+          </a:gsLst>
+          <a:lin ang="5400000" scaled="0"/>
+        </a:gradFill>
+        <a:gradFill rotWithShape="1">
+          <a:gsLst>
+            <a:gs pos="0">
+              <a:schemeClr val="phClr">
+                <a:satMod val="103000"/>
+                <a:lumMod val="102000"/>
+                <a:tint val="94000"/>
+              </a:schemeClr>
+            </a:gs>
+            <a:gs pos="50000">
+              <a:schemeClr val="phClr">
+                <a:satMod val="110000"/>
+                <a:lumMod val="100000"/>
+                <a:shade val="100000"/>
+              </a:schemeClr>
+            </a:gs>
+            <a:gs pos="100000">
+              <a:schemeClr val="phClr">
+                <a:lumMod val="99000"/>
+                <a:satMod val="120000"/>
+                <a:shade val="78000"/>
+              </a:schemeClr>
+            </a:gs>
+          </a:gsLst>
+          <a:lin ang="5400000" scaled="0"/>
+        </a:gradFill>
+      </a:fillStyleLst>
+      <a:lnStyleLst>
+        <a:ln w="6350" cap="flat" cmpd="sng" algn="ctr">
+          <a:solidFill>
+            <a:schemeClr val="phClr"/>
+          </a:solidFill>
+          <a:prstDash val="solid"/>
+          <a:miter lim="800000"/>
+        </a:ln>
+        <a:ln w="12700" cap="flat" cmpd="sng" algn="ctr">
+          <a:solidFill>
+            <a:schemeClr val="phClr"/>
+          </a:solidFill>
+          <a:prstDash val="solid"/>
+          <a:miter lim="800000"/>
+        </a:ln>
+        <a:ln w="19050" cap="flat" cmpd="sng" algn="ctr">
+          <a:solidFill>
+            <a:schemeClr val="phClr"/>
+          </a:solidFill>
+          <a:prstDash val="solid"/>
+          <a:miter lim="800000"/>
+        </a:ln>
+      </a:lnStyleLst>
+      <a:effectStyleLst>
+        <a:effectStyle>
+          <a:effectLst/>
+        </a:effectStyle>
+        <a:effectStyle>
+          <a:effectLst/>
+        </a:effectStyle>
+        <a:effectStyle>
+          <a:effectLst>
+            <a:outerShdw blurRad="57150" dist="19050" dir="5400000" algn="ctr" rotWithShape="0">
+              <a:srgbClr val="000000">
+                <a:alpha val="63000"/>
+              </a:srgbClr>
+            </a:outerShdw>
+          </a:effectLst>
+        </a:effectStyle>
+      </a:effectStyleLst>
+      <a:bgFillStyleLst>
+        <a:solidFill>
+          <a:schemeClr val="phClr"/>
+        </a:solidFill>
+        <a:solidFill>
+          <a:schemeClr val="phClr">
+            <a:tint val="95000"/>
+            <a:satMod val="170000"/>
+          </a:schemeClr>
+        </a:solidFill>
+        <a:gradFill rotWithShape="1">
+          <a:gsLst>
+            <a:gs pos="0">
+              <a:schemeClr val="phClr">
+                <a:tint val="93000"/>
+                <a:satMod val="150000"/>
+                <a:shade val="98000"/>
+                <a:lumMod val="102000"/>
+              </a:schemeClr>
+            </a:gs>
+            <a:gs pos="50000">
+              <a:schemeClr val="phClr">
+                <a:tint val="98000"/>
+                <a:satMod val="130000"/>
+                <a:shade val="90000"/>
+                <a:lumMod val="103000"/>
+              </a:schemeClr>
+            </a:gs>
+            <a:gs pos="100000">
+              <a:schemeClr val="phClr">
+                <a:shade val="63000"/>
+                <a:satMod val="120000"/>
+              </a:schemeClr>
+            </a:gs>
+          </a:gsLst>
+          <a:lin ang="5400000" scaled="0"/>
+        </a:gradFill>
+      </a:bgFillStyleLst>
+    </a:fmtScheme>
+  </a:themeElements>
+  <a:objectDefaults/>
+  <a:extraClrSchemeLst/>
+  <a:extLst>
+    <a:ext uri="{05A4C25C-085E-4340-85A3-A5531E510DB2}">
+      <thm15:themeFamily xmlns:thm15="http://schemas.microsoft.com/office/thememl/2012/main" name="Office Theme" id="{62F939B6-93AF-4DB8-9C6B-D6C7DFDC589F}" vid="{4A3C46E8-61CC-4603-A589-7422A47A8E4A}"/>
+    </a:ext>
+  </a:extLst>
+</a:theme>
 </file>